--- a/演示文稿1.pptx
+++ b/演示文稿1.pptx
@@ -5,7 +5,7 @@
     <p:sldMasterId id="2147483648" r:id="rId1"/>
   </p:sldMasterIdLst>
   <p:notesMasterIdLst>
-    <p:notesMasterId r:id="rId7"/>
+    <p:notesMasterId r:id="rId8"/>
   </p:notesMasterIdLst>
   <p:sldIdLst>
     <p:sldId id="256" r:id="rId2"/>
@@ -13,6 +13,7 @@
     <p:sldId id="258" r:id="rId4"/>
     <p:sldId id="261" r:id="rId5"/>
     <p:sldId id="262" r:id="rId6"/>
+    <p:sldId id="263" r:id="rId7"/>
   </p:sldIdLst>
   <p:sldSz cx="12192000" cy="6858000"/>
   <p:notesSz cx="6858000" cy="9144000"/>
@@ -12996,71 +12997,6 @@
       </p:sp>
       <p:sp>
         <p:nvSpPr>
-          <p:cNvPr id="6" name="矩形 5">
-            <a:extLst>
-              <a:ext uri="{FF2B5EF4-FFF2-40B4-BE49-F238E27FC236}">
-                <a16:creationId xmlns:a16="http://schemas.microsoft.com/office/drawing/2014/main" id="{597DFB6A-18EA-49BF-8FC8-88B5B7AFDCF4}"/>
-              </a:ext>
-            </a:extLst>
-          </p:cNvPr>
-          <p:cNvSpPr/>
-          <p:nvPr/>
-        </p:nvSpPr>
-        <p:spPr>
-          <a:xfrm>
-            <a:off x="5209687" y="1559624"/>
-            <a:ext cx="968357" cy="2933322"/>
-          </a:xfrm>
-          <a:prstGeom prst="rect">
-            <a:avLst/>
-          </a:prstGeom>
-          <a:solidFill>
-            <a:srgbClr val="A0CC82">
-              <a:alpha val="80000"/>
-            </a:srgbClr>
-          </a:solidFill>
-          <a:ln w="22225">
-            <a:solidFill>
-              <a:schemeClr val="bg2">
-                <a:lumMod val="90000"/>
-              </a:schemeClr>
-            </a:solidFill>
-          </a:ln>
-          <a:effectLst>
-            <a:outerShdw blurRad="50800" dist="38100" dir="8100000" algn="tr" rotWithShape="0">
-              <a:prstClr val="black">
-                <a:alpha val="40000"/>
-              </a:prstClr>
-            </a:outerShdw>
-          </a:effectLst>
-        </p:spPr>
-        <p:style>
-          <a:lnRef idx="2">
-            <a:schemeClr val="accent1">
-              <a:shade val="50000"/>
-            </a:schemeClr>
-          </a:lnRef>
-          <a:fillRef idx="1">
-            <a:schemeClr val="accent1"/>
-          </a:fillRef>
-          <a:effectRef idx="0">
-            <a:schemeClr val="accent1"/>
-          </a:effectRef>
-          <a:fontRef idx="minor">
-            <a:schemeClr val="lt1"/>
-          </a:fontRef>
-        </p:style>
-        <p:txBody>
-          <a:bodyPr rtlCol="0" anchor="ctr"/>
-          <a:lstStyle/>
-          <a:p>
-            <a:pPr algn="ctr"/>
-            <a:endParaRPr lang="zh-CN" altLang="en-US" dirty="0"/>
-          </a:p>
-        </p:txBody>
-      </p:sp>
-      <p:sp>
-        <p:nvSpPr>
           <p:cNvPr id="8" name="箭头: 下 7">
             <a:extLst>
               <a:ext uri="{FF2B5EF4-FFF2-40B4-BE49-F238E27FC236}">
@@ -13127,621 +13063,414 @@
           </a:p>
         </p:txBody>
       </p:sp>
-      <p:sp>
-        <p:nvSpPr>
-          <p:cNvPr id="5" name="矩形 4">
-            <a:extLst>
-              <a:ext uri="{FF2B5EF4-FFF2-40B4-BE49-F238E27FC236}">
-                <a16:creationId xmlns:a16="http://schemas.microsoft.com/office/drawing/2014/main" id="{2E4163FC-8769-4395-9F09-F49E40E07219}"/>
-              </a:ext>
-            </a:extLst>
-          </p:cNvPr>
-          <p:cNvSpPr/>
+      <p:grpSp>
+        <p:nvGrpSpPr>
+          <p:cNvPr id="2" name="组合 1">
+            <a:extLst>
+              <a:ext uri="{FF2B5EF4-FFF2-40B4-BE49-F238E27FC236}">
+                <a16:creationId xmlns:a16="http://schemas.microsoft.com/office/drawing/2014/main" id="{3A2ECAD6-75C6-444D-BED1-1CCE2D997BB6}"/>
+              </a:ext>
+            </a:extLst>
+          </p:cNvPr>
+          <p:cNvGrpSpPr/>
           <p:nvPr/>
-        </p:nvSpPr>
-        <p:spPr>
+        </p:nvGrpSpPr>
+        <p:grpSpPr>
           <a:xfrm>
-            <a:off x="3703276" y="1566153"/>
-            <a:ext cx="968357" cy="2933322"/>
+            <a:off x="3409407" y="1566153"/>
+            <a:ext cx="2565414" cy="2933322"/>
+            <a:chOff x="3409407" y="1566153"/>
+            <a:chExt cx="2565414" cy="2933322"/>
           </a:xfrm>
-          <a:prstGeom prst="rect">
-            <a:avLst/>
-          </a:prstGeom>
-          <a:solidFill>
-            <a:schemeClr val="accent4">
-              <a:lumMod val="60000"/>
-              <a:lumOff val="40000"/>
-              <a:alpha val="80000"/>
-            </a:schemeClr>
-          </a:solidFill>
-          <a:ln w="22225">
+        </p:grpSpPr>
+        <p:sp>
+          <p:nvSpPr>
+            <p:cNvPr id="5" name="矩形 4">
+              <a:extLst>
+                <a:ext uri="{FF2B5EF4-FFF2-40B4-BE49-F238E27FC236}">
+                  <a16:creationId xmlns:a16="http://schemas.microsoft.com/office/drawing/2014/main" id="{2E4163FC-8769-4395-9F09-F49E40E07219}"/>
+                </a:ext>
+              </a:extLst>
+            </p:cNvPr>
+            <p:cNvSpPr/>
+            <p:nvPr/>
+          </p:nvSpPr>
+          <p:spPr>
+            <a:xfrm>
+              <a:off x="3703276" y="1566153"/>
+              <a:ext cx="968357" cy="2933322"/>
+            </a:xfrm>
+            <a:prstGeom prst="rect">
+              <a:avLst/>
+            </a:prstGeom>
             <a:solidFill>
-              <a:schemeClr val="bg2">
-                <a:lumMod val="90000"/>
+              <a:schemeClr val="accent4">
+                <a:lumMod val="60000"/>
+                <a:lumOff val="40000"/>
+                <a:alpha val="80000"/>
               </a:schemeClr>
             </a:solidFill>
-          </a:ln>
-          <a:effectLst>
-            <a:outerShdw blurRad="50800" dist="38100" dir="8100000" algn="tr" rotWithShape="0">
-              <a:prstClr val="black">
-                <a:alpha val="40000"/>
-              </a:prstClr>
-            </a:outerShdw>
-          </a:effectLst>
-        </p:spPr>
-        <p:style>
-          <a:lnRef idx="2">
-            <a:schemeClr val="accent1">
-              <a:shade val="50000"/>
-            </a:schemeClr>
-          </a:lnRef>
-          <a:fillRef idx="1">
-            <a:schemeClr val="accent1"/>
-          </a:fillRef>
-          <a:effectRef idx="0">
-            <a:schemeClr val="accent1"/>
-          </a:effectRef>
-          <a:fontRef idx="minor">
-            <a:schemeClr val="lt1"/>
-          </a:fontRef>
-        </p:style>
-        <p:txBody>
-          <a:bodyPr rtlCol="0" anchor="ctr"/>
-          <a:lstStyle/>
-          <a:p>
-            <a:pPr algn="ctr"/>
-            <a:endParaRPr lang="zh-CN" altLang="en-US" dirty="0"/>
-          </a:p>
-        </p:txBody>
-      </p:sp>
-      <p:sp>
-        <p:nvSpPr>
-          <p:cNvPr id="7" name="箭头: 下 6">
-            <a:extLst>
-              <a:ext uri="{FF2B5EF4-FFF2-40B4-BE49-F238E27FC236}">
-                <a16:creationId xmlns:a16="http://schemas.microsoft.com/office/drawing/2014/main" id="{A33B0613-712B-4FF7-92F0-D4B89A61069B}"/>
-              </a:ext>
-            </a:extLst>
-          </p:cNvPr>
-          <p:cNvSpPr/>
+            <a:ln w="22225">
+              <a:solidFill>
+                <a:schemeClr val="bg2">
+                  <a:lumMod val="90000"/>
+                </a:schemeClr>
+              </a:solidFill>
+            </a:ln>
+            <a:effectLst>
+              <a:outerShdw blurRad="50800" dist="38100" dir="8100000" algn="tr" rotWithShape="0">
+                <a:prstClr val="black">
+                  <a:alpha val="40000"/>
+                </a:prstClr>
+              </a:outerShdw>
+            </a:effectLst>
+          </p:spPr>
+          <p:style>
+            <a:lnRef idx="2">
+              <a:schemeClr val="accent1">
+                <a:shade val="50000"/>
+              </a:schemeClr>
+            </a:lnRef>
+            <a:fillRef idx="1">
+              <a:schemeClr val="accent1"/>
+            </a:fillRef>
+            <a:effectRef idx="0">
+              <a:schemeClr val="accent1"/>
+            </a:effectRef>
+            <a:fontRef idx="minor">
+              <a:schemeClr val="lt1"/>
+            </a:fontRef>
+          </p:style>
+          <p:txBody>
+            <a:bodyPr rtlCol="0" anchor="ctr"/>
+            <a:lstStyle/>
+            <a:p>
+              <a:pPr algn="ctr"/>
+              <a:endParaRPr lang="zh-CN" altLang="en-US" dirty="0"/>
+            </a:p>
+          </p:txBody>
+        </p:sp>
+        <p:sp>
+          <p:nvSpPr>
+            <p:cNvPr id="17" name="文本框 16">
+              <a:extLst>
+                <a:ext uri="{FF2B5EF4-FFF2-40B4-BE49-F238E27FC236}">
+                  <a16:creationId xmlns:a16="http://schemas.microsoft.com/office/drawing/2014/main" id="{06BC97E4-0C05-4A7E-87AF-B1806B482D2D}"/>
+                </a:ext>
+              </a:extLst>
+            </p:cNvPr>
+            <p:cNvSpPr txBox="1"/>
+            <p:nvPr/>
+          </p:nvSpPr>
+          <p:spPr>
+            <a:xfrm>
+              <a:off x="3879677" y="2049165"/>
+              <a:ext cx="615553" cy="1509388"/>
+            </a:xfrm>
+            <a:prstGeom prst="rect">
+              <a:avLst/>
+            </a:prstGeom>
+            <a:noFill/>
+            <a:ln w="0">
+              <a:noFill/>
+            </a:ln>
+          </p:spPr>
+          <p:txBody>
+            <a:bodyPr vert="eaVert" wrap="none" rtlCol="0">
+              <a:spAutoFit/>
+            </a:bodyPr>
+            <a:lstStyle/>
+            <a:p>
+              <a:r>
+                <a:rPr lang="zh-CN" altLang="en-US" sz="2800" b="1" dirty="0">
+                  <a:ln w="3175" cap="rnd">
+                    <a:noFill/>
+                  </a:ln>
+                  <a:latin typeface="宋体" panose="02010600030101010101" pitchFamily="2" charset="-122"/>
+                  <a:ea typeface="宋体" panose="02010600030101010101" pitchFamily="2" charset="-122"/>
+                </a:rPr>
+                <a:t>标准化层</a:t>
+              </a:r>
+            </a:p>
+          </p:txBody>
+        </p:sp>
+        <p:sp>
+          <p:nvSpPr>
+            <p:cNvPr id="20" name="文本框 19">
+              <a:extLst>
+                <a:ext uri="{FF2B5EF4-FFF2-40B4-BE49-F238E27FC236}">
+                  <a16:creationId xmlns:a16="http://schemas.microsoft.com/office/drawing/2014/main" id="{140958CC-45A0-4D26-91CA-193E68F94CF8}"/>
+                </a:ext>
+              </a:extLst>
+            </p:cNvPr>
+            <p:cNvSpPr txBox="1"/>
+            <p:nvPr/>
+          </p:nvSpPr>
+          <p:spPr>
+            <a:xfrm>
+              <a:off x="3775300" y="3681451"/>
+              <a:ext cx="1153372" cy="369332"/>
+            </a:xfrm>
+            <a:prstGeom prst="rect">
+              <a:avLst/>
+            </a:prstGeom>
+            <a:noFill/>
+            <a:ln w="0">
+              <a:noFill/>
+            </a:ln>
+          </p:spPr>
+          <p:txBody>
+            <a:bodyPr vert="horz" wrap="square" rtlCol="0">
+              <a:spAutoFit/>
+            </a:bodyPr>
+            <a:lstStyle/>
+            <a:p>
+              <a:r>
+                <a:rPr lang="en-US" altLang="zh-CN" b="1" dirty="0">
+                  <a:ln w="3175" cap="rnd">
+                    <a:noFill/>
+                  </a:ln>
+                  <a:latin typeface="Times New Roman" panose="02020603050405020304" pitchFamily="18" charset="0"/>
+                  <a:ea typeface="宋体" panose="02010600030101010101" pitchFamily="2" charset="-122"/>
+                  <a:cs typeface="Times New Roman" panose="02020603050405020304" pitchFamily="18" charset="0"/>
+                </a:rPr>
+                <a:t>Layer</a:t>
+              </a:r>
+            </a:p>
+          </p:txBody>
+        </p:sp>
+        <p:sp>
+          <p:nvSpPr>
+            <p:cNvPr id="21" name="文本框 20">
+              <a:extLst>
+                <a:ext uri="{FF2B5EF4-FFF2-40B4-BE49-F238E27FC236}">
+                  <a16:creationId xmlns:a16="http://schemas.microsoft.com/office/drawing/2014/main" id="{72B70EB6-BC84-4E13-AC6E-B55D1FE29A73}"/>
+                </a:ext>
+              </a:extLst>
+            </p:cNvPr>
+            <p:cNvSpPr txBox="1"/>
+            <p:nvPr/>
+          </p:nvSpPr>
+          <p:spPr>
+            <a:xfrm>
+              <a:off x="3409407" y="3905797"/>
+              <a:ext cx="2565414" cy="369332"/>
+            </a:xfrm>
+            <a:prstGeom prst="rect">
+              <a:avLst/>
+            </a:prstGeom>
+            <a:noFill/>
+            <a:ln w="0">
+              <a:noFill/>
+            </a:ln>
+          </p:spPr>
+          <p:txBody>
+            <a:bodyPr vert="horz" wrap="square" rtlCol="0">
+              <a:spAutoFit/>
+            </a:bodyPr>
+            <a:lstStyle/>
+            <a:p>
+              <a:r>
+                <a:rPr lang="en-US" altLang="zh-CN" b="1" dirty="0">
+                  <a:ln w="3175" cap="rnd">
+                    <a:noFill/>
+                  </a:ln>
+                  <a:latin typeface="Times New Roman" panose="02020603050405020304" pitchFamily="18" charset="0"/>
+                  <a:ea typeface="宋体" panose="02010600030101010101" pitchFamily="2" charset="-122"/>
+                  <a:cs typeface="Times New Roman" panose="02020603050405020304" pitchFamily="18" charset="0"/>
+                </a:rPr>
+                <a:t>Normalization</a:t>
+              </a:r>
+            </a:p>
+          </p:txBody>
+        </p:sp>
+      </p:grpSp>
+      <p:grpSp>
+        <p:nvGrpSpPr>
+          <p:cNvPr id="3" name="组合 2">
+            <a:extLst>
+              <a:ext uri="{FF2B5EF4-FFF2-40B4-BE49-F238E27FC236}">
+                <a16:creationId xmlns:a16="http://schemas.microsoft.com/office/drawing/2014/main" id="{B08DDF99-6B13-447E-A845-70EA46A3EF36}"/>
+              </a:ext>
+            </a:extLst>
+          </p:cNvPr>
+          <p:cNvGrpSpPr/>
           <p:nvPr/>
-        </p:nvSpPr>
-        <p:spPr>
-          <a:xfrm rot="16200000">
-            <a:off x="3304896" y="2435623"/>
-            <a:ext cx="282681" cy="968357"/>
+        </p:nvGrpSpPr>
+        <p:grpSpPr>
+          <a:xfrm>
+            <a:off x="5185712" y="1559624"/>
+            <a:ext cx="2565414" cy="2933322"/>
+            <a:chOff x="5185712" y="1559624"/>
+            <a:chExt cx="2565414" cy="2933322"/>
           </a:xfrm>
-          <a:prstGeom prst="downArrow">
-            <a:avLst>
-              <a:gd name="adj1" fmla="val 42138"/>
-              <a:gd name="adj2" fmla="val 50000"/>
-            </a:avLst>
-          </a:prstGeom>
-          <a:solidFill>
-            <a:schemeClr val="accent2">
-              <a:lumMod val="20000"/>
-              <a:lumOff val="80000"/>
-            </a:schemeClr>
-          </a:solidFill>
-          <a:ln w="19050" cap="rnd">
+        </p:grpSpPr>
+        <p:sp>
+          <p:nvSpPr>
+            <p:cNvPr id="6" name="矩形 5">
+              <a:extLst>
+                <a:ext uri="{FF2B5EF4-FFF2-40B4-BE49-F238E27FC236}">
+                  <a16:creationId xmlns:a16="http://schemas.microsoft.com/office/drawing/2014/main" id="{597DFB6A-18EA-49BF-8FC8-88B5B7AFDCF4}"/>
+                </a:ext>
+              </a:extLst>
+            </p:cNvPr>
+            <p:cNvSpPr/>
+            <p:nvPr/>
+          </p:nvSpPr>
+          <p:spPr>
+            <a:xfrm>
+              <a:off x="5209687" y="1559624"/>
+              <a:ext cx="968357" cy="2933322"/>
+            </a:xfrm>
+            <a:prstGeom prst="rect">
+              <a:avLst/>
+            </a:prstGeom>
             <a:solidFill>
-              <a:srgbClr val="C55A11"/>
+              <a:srgbClr val="A0CC82">
+                <a:alpha val="80000"/>
+              </a:srgbClr>
             </a:solidFill>
-            <a:bevel/>
-          </a:ln>
-          <a:effectLst>
-            <a:outerShdw blurRad="50800" dist="38100" dir="8100000" algn="tr" rotWithShape="0">
-              <a:prstClr val="black">
-                <a:alpha val="40000"/>
-              </a:prstClr>
-            </a:outerShdw>
-          </a:effectLst>
-        </p:spPr>
-        <p:style>
-          <a:lnRef idx="2">
-            <a:schemeClr val="accent1">
-              <a:shade val="50000"/>
-            </a:schemeClr>
-          </a:lnRef>
-          <a:fillRef idx="1">
-            <a:schemeClr val="accent1"/>
-          </a:fillRef>
-          <a:effectRef idx="0">
-            <a:schemeClr val="accent1"/>
-          </a:effectRef>
-          <a:fontRef idx="minor">
-            <a:schemeClr val="lt1"/>
-          </a:fontRef>
-        </p:style>
-        <p:txBody>
-          <a:bodyPr rtlCol="0" anchor="ctr"/>
-          <a:lstStyle/>
-          <a:p>
-            <a:pPr algn="ctr"/>
-            <a:endParaRPr lang="zh-CN" altLang="en-US" dirty="0">
-              <a:effectLst>
-                <a:outerShdw blurRad="50800" dist="38100" dir="5400000" algn="t" rotWithShape="0">
-                  <a:prstClr val="black">
-                    <a:alpha val="40000"/>
-                  </a:prstClr>
-                </a:outerShdw>
-              </a:effectLst>
-            </a:endParaRPr>
-          </a:p>
-        </p:txBody>
-      </p:sp>
-      <p:sp>
-        <p:nvSpPr>
-          <p:cNvPr id="4" name="矩形 3">
-            <a:extLst>
-              <a:ext uri="{FF2B5EF4-FFF2-40B4-BE49-F238E27FC236}">
-                <a16:creationId xmlns:a16="http://schemas.microsoft.com/office/drawing/2014/main" id="{04CA1857-87AE-42ED-B913-22870E0566F0}"/>
-              </a:ext>
-            </a:extLst>
-          </p:cNvPr>
-          <p:cNvSpPr/>
-          <p:nvPr/>
-        </p:nvSpPr>
-        <p:spPr>
-          <a:xfrm>
-            <a:off x="2220841" y="1566153"/>
-            <a:ext cx="968356" cy="2933322"/>
-          </a:xfrm>
-          <a:prstGeom prst="rect">
-            <a:avLst/>
-          </a:prstGeom>
-          <a:solidFill>
-            <a:srgbClr val="59C1D9">
-              <a:alpha val="80000"/>
-            </a:srgbClr>
-          </a:solidFill>
-          <a:ln w="22225">
-            <a:solidFill>
-              <a:schemeClr val="bg2">
-                <a:lumMod val="90000"/>
+            <a:ln w="22225">
+              <a:solidFill>
+                <a:schemeClr val="bg2">
+                  <a:lumMod val="90000"/>
+                </a:schemeClr>
+              </a:solidFill>
+            </a:ln>
+            <a:effectLst>
+              <a:outerShdw blurRad="50800" dist="38100" dir="8100000" algn="tr" rotWithShape="0">
+                <a:prstClr val="black">
+                  <a:alpha val="40000"/>
+                </a:prstClr>
+              </a:outerShdw>
+            </a:effectLst>
+          </p:spPr>
+          <p:style>
+            <a:lnRef idx="2">
+              <a:schemeClr val="accent1">
+                <a:shade val="50000"/>
               </a:schemeClr>
-            </a:solidFill>
-          </a:ln>
-          <a:effectLst>
-            <a:outerShdw blurRad="50800" dist="38100" dir="8100000" algn="tr" rotWithShape="0">
-              <a:prstClr val="black">
-                <a:alpha val="40000"/>
-              </a:prstClr>
-            </a:outerShdw>
-          </a:effectLst>
-        </p:spPr>
-        <p:style>
-          <a:lnRef idx="2">
-            <a:schemeClr val="accent1">
-              <a:shade val="50000"/>
-            </a:schemeClr>
-          </a:lnRef>
-          <a:fillRef idx="1">
-            <a:schemeClr val="accent1"/>
-          </a:fillRef>
-          <a:effectRef idx="0">
-            <a:schemeClr val="accent1"/>
-          </a:effectRef>
-          <a:fontRef idx="minor">
-            <a:schemeClr val="lt1"/>
-          </a:fontRef>
-        </p:style>
-        <p:txBody>
-          <a:bodyPr rtlCol="0" anchor="ctr"/>
-          <a:lstStyle/>
-          <a:p>
-            <a:pPr algn="ctr"/>
-            <a:endParaRPr lang="zh-CN" altLang="en-US" dirty="0"/>
-          </a:p>
-        </p:txBody>
-      </p:sp>
-      <p:sp>
-        <p:nvSpPr>
-          <p:cNvPr id="14" name="箭头: 下 13">
-            <a:extLst>
-              <a:ext uri="{FF2B5EF4-FFF2-40B4-BE49-F238E27FC236}">
-                <a16:creationId xmlns:a16="http://schemas.microsoft.com/office/drawing/2014/main" id="{E206C5C6-F58A-487E-82D6-1B1A58DF8D95}"/>
-              </a:ext>
-            </a:extLst>
-          </p:cNvPr>
-          <p:cNvSpPr/>
-          <p:nvPr/>
-        </p:nvSpPr>
-        <p:spPr>
-          <a:xfrm rot="16200000">
-            <a:off x="1960005" y="2573167"/>
-            <a:ext cx="282681" cy="693267"/>
-          </a:xfrm>
-          <a:prstGeom prst="downArrow">
-            <a:avLst>
-              <a:gd name="adj1" fmla="val 42138"/>
-              <a:gd name="adj2" fmla="val 50000"/>
-            </a:avLst>
-          </a:prstGeom>
-          <a:solidFill>
-            <a:schemeClr val="accent2">
-              <a:lumMod val="20000"/>
-              <a:lumOff val="80000"/>
-            </a:schemeClr>
-          </a:solidFill>
-          <a:ln w="19050" cap="rnd">
-            <a:solidFill>
-              <a:srgbClr val="C55A11"/>
-            </a:solidFill>
-            <a:bevel/>
-          </a:ln>
-          <a:effectLst>
-            <a:outerShdw blurRad="50800" dist="38100" dir="8100000" algn="tr" rotWithShape="0">
-              <a:prstClr val="black">
-                <a:alpha val="40000"/>
-              </a:prstClr>
-            </a:outerShdw>
-          </a:effectLst>
-        </p:spPr>
-        <p:style>
-          <a:lnRef idx="2">
-            <a:schemeClr val="accent1">
-              <a:shade val="50000"/>
-            </a:schemeClr>
-          </a:lnRef>
-          <a:fillRef idx="1">
-            <a:schemeClr val="accent1"/>
-          </a:fillRef>
-          <a:effectRef idx="0">
-            <a:schemeClr val="accent1"/>
-          </a:effectRef>
-          <a:fontRef idx="minor">
-            <a:schemeClr val="lt1"/>
-          </a:fontRef>
-        </p:style>
-        <p:txBody>
-          <a:bodyPr rtlCol="0" anchor="ctr"/>
-          <a:lstStyle/>
-          <a:p>
-            <a:pPr algn="ctr"/>
-            <a:endParaRPr lang="zh-CN" altLang="en-US" dirty="0">
-              <a:effectLst>
-                <a:outerShdw blurRad="50800" dist="38100" dir="5400000" algn="t" rotWithShape="0">
-                  <a:prstClr val="black">
-                    <a:alpha val="40000"/>
-                  </a:prstClr>
-                </a:outerShdw>
-              </a:effectLst>
-            </a:endParaRPr>
-          </a:p>
-        </p:txBody>
-      </p:sp>
-      <p:sp>
-        <p:nvSpPr>
-          <p:cNvPr id="16" name="文本框 15">
-            <a:extLst>
-              <a:ext uri="{FF2B5EF4-FFF2-40B4-BE49-F238E27FC236}">
-                <a16:creationId xmlns:a16="http://schemas.microsoft.com/office/drawing/2014/main" id="{37EFEAF6-7E88-47FB-9631-F5047115A03D}"/>
-              </a:ext>
-            </a:extLst>
-          </p:cNvPr>
-          <p:cNvSpPr txBox="1"/>
-          <p:nvPr/>
-        </p:nvSpPr>
-        <p:spPr>
-          <a:xfrm>
-            <a:off x="2390316" y="2023242"/>
-            <a:ext cx="615553" cy="1708160"/>
-          </a:xfrm>
-          <a:prstGeom prst="rect">
-            <a:avLst/>
-          </a:prstGeom>
-          <a:noFill/>
-          <a:ln w="0">
+            </a:lnRef>
+            <a:fillRef idx="1">
+              <a:schemeClr val="accent1"/>
+            </a:fillRef>
+            <a:effectRef idx="0">
+              <a:schemeClr val="accent1"/>
+            </a:effectRef>
+            <a:fontRef idx="minor">
+              <a:schemeClr val="lt1"/>
+            </a:fontRef>
+          </p:style>
+          <p:txBody>
+            <a:bodyPr rtlCol="0" anchor="ctr"/>
+            <a:lstStyle/>
+            <a:p>
+              <a:pPr algn="ctr"/>
+              <a:endParaRPr lang="zh-CN" altLang="en-US" dirty="0"/>
+            </a:p>
+          </p:txBody>
+        </p:sp>
+        <p:sp>
+          <p:nvSpPr>
+            <p:cNvPr id="18" name="文本框 17">
+              <a:extLst>
+                <a:ext uri="{FF2B5EF4-FFF2-40B4-BE49-F238E27FC236}">
+                  <a16:creationId xmlns:a16="http://schemas.microsoft.com/office/drawing/2014/main" id="{3F4B5549-30BD-43DD-84B3-71B79A7E3554}"/>
+                </a:ext>
+              </a:extLst>
+            </p:cNvPr>
+            <p:cNvSpPr txBox="1"/>
+            <p:nvPr/>
+          </p:nvSpPr>
+          <p:spPr>
+            <a:xfrm>
+              <a:off x="5338139" y="1984497"/>
+              <a:ext cx="615553" cy="1863652"/>
+            </a:xfrm>
+            <a:prstGeom prst="rect">
+              <a:avLst/>
+            </a:prstGeom>
             <a:noFill/>
-          </a:ln>
-        </p:spPr>
-        <p:txBody>
-          <a:bodyPr vert="eaVert" wrap="square" rtlCol="0">
-            <a:spAutoFit/>
-          </a:bodyPr>
-          <a:lstStyle/>
-          <a:p>
-            <a:r>
-              <a:rPr lang="zh-CN" altLang="en-US" sz="2800" b="1" dirty="0">
-                <a:ln w="3175" cap="rnd">
-                  <a:noFill/>
-                </a:ln>
-                <a:latin typeface="宋体" panose="02010600030101010101" pitchFamily="2" charset="-122"/>
-                <a:ea typeface="宋体" panose="02010600030101010101" pitchFamily="2" charset="-122"/>
-              </a:rPr>
-              <a:t>全连接层</a:t>
-            </a:r>
-          </a:p>
-        </p:txBody>
-      </p:sp>
-      <p:sp>
-        <p:nvSpPr>
-          <p:cNvPr id="17" name="文本框 16">
-            <a:extLst>
-              <a:ext uri="{FF2B5EF4-FFF2-40B4-BE49-F238E27FC236}">
-                <a16:creationId xmlns:a16="http://schemas.microsoft.com/office/drawing/2014/main" id="{06BC97E4-0C05-4A7E-87AF-B1806B482D2D}"/>
-              </a:ext>
-            </a:extLst>
-          </p:cNvPr>
-          <p:cNvSpPr txBox="1"/>
-          <p:nvPr/>
-        </p:nvSpPr>
-        <p:spPr>
-          <a:xfrm>
-            <a:off x="3879677" y="2049165"/>
-            <a:ext cx="615553" cy="1509388"/>
-          </a:xfrm>
-          <a:prstGeom prst="rect">
-            <a:avLst/>
-          </a:prstGeom>
-          <a:noFill/>
-          <a:ln w="0">
+            <a:ln w="0">
+              <a:noFill/>
+            </a:ln>
+          </p:spPr>
+          <p:txBody>
+            <a:bodyPr vert="eaVert" wrap="none" rtlCol="0">
+              <a:spAutoFit/>
+            </a:bodyPr>
+            <a:lstStyle/>
+            <a:p>
+              <a:r>
+                <a:rPr lang="zh-CN" altLang="en-US" sz="2800" b="1" dirty="0">
+                  <a:ln w="3175" cap="rnd">
+                    <a:noFill/>
+                  </a:ln>
+                  <a:latin typeface="宋体" panose="02010600030101010101" pitchFamily="2" charset="-122"/>
+                  <a:ea typeface="宋体" panose="02010600030101010101" pitchFamily="2" charset="-122"/>
+                </a:rPr>
+                <a:t>激活函数层</a:t>
+              </a:r>
+            </a:p>
+          </p:txBody>
+        </p:sp>
+        <p:sp>
+          <p:nvSpPr>
+            <p:cNvPr id="22" name="文本框 21">
+              <a:extLst>
+                <a:ext uri="{FF2B5EF4-FFF2-40B4-BE49-F238E27FC236}">
+                  <a16:creationId xmlns:a16="http://schemas.microsoft.com/office/drawing/2014/main" id="{EE09C55B-776B-4991-A0D4-A1E52F85B444}"/>
+                </a:ext>
+              </a:extLst>
+            </p:cNvPr>
+            <p:cNvSpPr txBox="1"/>
+            <p:nvPr/>
+          </p:nvSpPr>
+          <p:spPr>
+            <a:xfrm>
+              <a:off x="5185712" y="3811784"/>
+              <a:ext cx="2565414" cy="461665"/>
+            </a:xfrm>
+            <a:prstGeom prst="rect">
+              <a:avLst/>
+            </a:prstGeom>
             <a:noFill/>
-          </a:ln>
-        </p:spPr>
-        <p:txBody>
-          <a:bodyPr vert="eaVert" wrap="none" rtlCol="0">
-            <a:spAutoFit/>
-          </a:bodyPr>
-          <a:lstStyle/>
-          <a:p>
-            <a:r>
-              <a:rPr lang="zh-CN" altLang="en-US" sz="2800" b="1" dirty="0">
-                <a:ln w="3175" cap="rnd">
-                  <a:noFill/>
-                </a:ln>
-                <a:latin typeface="宋体" panose="02010600030101010101" pitchFamily="2" charset="-122"/>
-                <a:ea typeface="宋体" panose="02010600030101010101" pitchFamily="2" charset="-122"/>
-              </a:rPr>
-              <a:t>标准化层</a:t>
-            </a:r>
-          </a:p>
-        </p:txBody>
-      </p:sp>
-      <p:sp>
-        <p:nvSpPr>
-          <p:cNvPr id="18" name="文本框 17">
-            <a:extLst>
-              <a:ext uri="{FF2B5EF4-FFF2-40B4-BE49-F238E27FC236}">
-                <a16:creationId xmlns:a16="http://schemas.microsoft.com/office/drawing/2014/main" id="{3F4B5549-30BD-43DD-84B3-71B79A7E3554}"/>
-              </a:ext>
-            </a:extLst>
-          </p:cNvPr>
-          <p:cNvSpPr txBox="1"/>
-          <p:nvPr/>
-        </p:nvSpPr>
-        <p:spPr>
-          <a:xfrm>
-            <a:off x="5338139" y="1984497"/>
-            <a:ext cx="615553" cy="1863652"/>
-          </a:xfrm>
-          <a:prstGeom prst="rect">
-            <a:avLst/>
-          </a:prstGeom>
-          <a:noFill/>
-          <a:ln w="0">
-            <a:noFill/>
-          </a:ln>
-        </p:spPr>
-        <p:txBody>
-          <a:bodyPr vert="eaVert" wrap="none" rtlCol="0">
-            <a:spAutoFit/>
-          </a:bodyPr>
-          <a:lstStyle/>
-          <a:p>
-            <a:r>
-              <a:rPr lang="zh-CN" altLang="en-US" sz="2800" b="1" dirty="0">
-                <a:ln w="3175" cap="rnd">
-                  <a:noFill/>
-                </a:ln>
-                <a:latin typeface="宋体" panose="02010600030101010101" pitchFamily="2" charset="-122"/>
-                <a:ea typeface="宋体" panose="02010600030101010101" pitchFamily="2" charset="-122"/>
-              </a:rPr>
-              <a:t>激活函数层</a:t>
-            </a:r>
-          </a:p>
-        </p:txBody>
-      </p:sp>
-      <p:sp>
-        <p:nvSpPr>
-          <p:cNvPr id="19" name="文本框 18">
-            <a:extLst>
-              <a:ext uri="{FF2B5EF4-FFF2-40B4-BE49-F238E27FC236}">
-                <a16:creationId xmlns:a16="http://schemas.microsoft.com/office/drawing/2014/main" id="{9152E0E5-F073-45EB-BD8D-721CED71870A}"/>
-              </a:ext>
-            </a:extLst>
-          </p:cNvPr>
-          <p:cNvSpPr txBox="1"/>
-          <p:nvPr/>
-        </p:nvSpPr>
-        <p:spPr>
-          <a:xfrm>
-            <a:off x="2268889" y="3715812"/>
-            <a:ext cx="1153372" cy="461665"/>
-          </a:xfrm>
-          <a:prstGeom prst="rect">
-            <a:avLst/>
-          </a:prstGeom>
-          <a:noFill/>
-          <a:ln w="0">
-            <a:noFill/>
-          </a:ln>
-        </p:spPr>
-        <p:txBody>
-          <a:bodyPr vert="horz" wrap="square" rtlCol="0">
-            <a:spAutoFit/>
-          </a:bodyPr>
-          <a:lstStyle/>
-          <a:p>
-            <a:r>
-              <a:rPr lang="en-US" altLang="zh-CN" sz="2400" b="1" dirty="0">
-                <a:ln w="3175" cap="rnd">
-                  <a:noFill/>
-                </a:ln>
-                <a:latin typeface="Times New Roman" panose="02020603050405020304" pitchFamily="18" charset="0"/>
-                <a:ea typeface="宋体" panose="02010600030101010101" pitchFamily="2" charset="-122"/>
-                <a:cs typeface="Times New Roman" panose="02020603050405020304" pitchFamily="18" charset="0"/>
-              </a:rPr>
-              <a:t>MLP</a:t>
-            </a:r>
-            <a:endParaRPr lang="zh-CN" altLang="en-US" sz="2400" b="1" dirty="0">
-              <a:ln w="3175" cap="rnd">
-                <a:noFill/>
-              </a:ln>
-              <a:latin typeface="Times New Roman" panose="02020603050405020304" pitchFamily="18" charset="0"/>
-              <a:ea typeface="宋体" panose="02010600030101010101" pitchFamily="2" charset="-122"/>
-              <a:cs typeface="Times New Roman" panose="02020603050405020304" pitchFamily="18" charset="0"/>
-            </a:endParaRPr>
-          </a:p>
-        </p:txBody>
-      </p:sp>
-      <p:sp>
-        <p:nvSpPr>
-          <p:cNvPr id="20" name="文本框 19">
-            <a:extLst>
-              <a:ext uri="{FF2B5EF4-FFF2-40B4-BE49-F238E27FC236}">
-                <a16:creationId xmlns:a16="http://schemas.microsoft.com/office/drawing/2014/main" id="{140958CC-45A0-4D26-91CA-193E68F94CF8}"/>
-              </a:ext>
-            </a:extLst>
-          </p:cNvPr>
-          <p:cNvSpPr txBox="1"/>
-          <p:nvPr/>
-        </p:nvSpPr>
-        <p:spPr>
-          <a:xfrm>
-            <a:off x="3775300" y="3681451"/>
-            <a:ext cx="1153372" cy="369332"/>
-          </a:xfrm>
-          <a:prstGeom prst="rect">
-            <a:avLst/>
-          </a:prstGeom>
-          <a:noFill/>
-          <a:ln w="0">
-            <a:noFill/>
-          </a:ln>
-        </p:spPr>
-        <p:txBody>
-          <a:bodyPr vert="horz" wrap="square" rtlCol="0">
-            <a:spAutoFit/>
-          </a:bodyPr>
-          <a:lstStyle/>
-          <a:p>
-            <a:r>
-              <a:rPr lang="en-US" altLang="zh-CN" b="1" dirty="0">
-                <a:ln w="3175" cap="rnd">
-                  <a:noFill/>
-                </a:ln>
-                <a:latin typeface="Times New Roman" panose="02020603050405020304" pitchFamily="18" charset="0"/>
-                <a:ea typeface="宋体" panose="02010600030101010101" pitchFamily="2" charset="-122"/>
-                <a:cs typeface="Times New Roman" panose="02020603050405020304" pitchFamily="18" charset="0"/>
-              </a:rPr>
-              <a:t>Layer</a:t>
-            </a:r>
-          </a:p>
-        </p:txBody>
-      </p:sp>
-      <p:sp>
-        <p:nvSpPr>
-          <p:cNvPr id="21" name="文本框 20">
-            <a:extLst>
-              <a:ext uri="{FF2B5EF4-FFF2-40B4-BE49-F238E27FC236}">
-                <a16:creationId xmlns:a16="http://schemas.microsoft.com/office/drawing/2014/main" id="{72B70EB6-BC84-4E13-AC6E-B55D1FE29A73}"/>
-              </a:ext>
-            </a:extLst>
-          </p:cNvPr>
-          <p:cNvSpPr txBox="1"/>
-          <p:nvPr/>
-        </p:nvSpPr>
-        <p:spPr>
-          <a:xfrm>
-            <a:off x="3409407" y="3905797"/>
-            <a:ext cx="2565414" cy="369332"/>
-          </a:xfrm>
-          <a:prstGeom prst="rect">
-            <a:avLst/>
-          </a:prstGeom>
-          <a:noFill/>
-          <a:ln w="0">
-            <a:noFill/>
-          </a:ln>
-        </p:spPr>
-        <p:txBody>
-          <a:bodyPr vert="horz" wrap="square" rtlCol="0">
-            <a:spAutoFit/>
-          </a:bodyPr>
-          <a:lstStyle/>
-          <a:p>
-            <a:r>
-              <a:rPr lang="en-US" altLang="zh-CN" b="1" dirty="0">
-                <a:ln w="3175" cap="rnd">
-                  <a:noFill/>
-                </a:ln>
-                <a:latin typeface="Times New Roman" panose="02020603050405020304" pitchFamily="18" charset="0"/>
-                <a:ea typeface="宋体" panose="02010600030101010101" pitchFamily="2" charset="-122"/>
-                <a:cs typeface="Times New Roman" panose="02020603050405020304" pitchFamily="18" charset="0"/>
-              </a:rPr>
-              <a:t>Normalization</a:t>
-            </a:r>
-          </a:p>
-        </p:txBody>
-      </p:sp>
-      <p:sp>
-        <p:nvSpPr>
-          <p:cNvPr id="22" name="文本框 21">
-            <a:extLst>
-              <a:ext uri="{FF2B5EF4-FFF2-40B4-BE49-F238E27FC236}">
-                <a16:creationId xmlns:a16="http://schemas.microsoft.com/office/drawing/2014/main" id="{EE09C55B-776B-4991-A0D4-A1E52F85B444}"/>
-              </a:ext>
-            </a:extLst>
-          </p:cNvPr>
-          <p:cNvSpPr txBox="1"/>
-          <p:nvPr/>
-        </p:nvSpPr>
-        <p:spPr>
-          <a:xfrm>
-            <a:off x="5185712" y="3811784"/>
-            <a:ext cx="2565414" cy="461665"/>
-          </a:xfrm>
-          <a:prstGeom prst="rect">
-            <a:avLst/>
-          </a:prstGeom>
-          <a:noFill/>
-          <a:ln w="0">
-            <a:noFill/>
-          </a:ln>
-        </p:spPr>
-        <p:txBody>
-          <a:bodyPr vert="horz" wrap="square" rtlCol="0">
-            <a:spAutoFit/>
-          </a:bodyPr>
-          <a:lstStyle/>
-          <a:p>
-            <a:r>
-              <a:rPr lang="en-US" altLang="zh-CN" sz="2400" b="1" dirty="0" err="1">
-                <a:ln w="3175" cap="rnd">
-                  <a:noFill/>
-                </a:ln>
-                <a:latin typeface="Times New Roman" panose="02020603050405020304" pitchFamily="18" charset="0"/>
-                <a:ea typeface="宋体" panose="02010600030101010101" pitchFamily="2" charset="-122"/>
-                <a:cs typeface="Times New Roman" panose="02020603050405020304" pitchFamily="18" charset="0"/>
-              </a:rPr>
-              <a:t>Relu</a:t>
-            </a:r>
-            <a:r>
-              <a:rPr lang="en-US" altLang="zh-CN" sz="2400" b="1" dirty="0">
-                <a:ln w="3175" cap="rnd">
-                  <a:noFill/>
-                </a:ln>
-                <a:latin typeface="Times New Roman" panose="02020603050405020304" pitchFamily="18" charset="0"/>
-                <a:ea typeface="宋体" panose="02010600030101010101" pitchFamily="2" charset="-122"/>
-                <a:cs typeface="Times New Roman" panose="02020603050405020304" pitchFamily="18" charset="0"/>
-              </a:rPr>
-              <a:t>( )</a:t>
-            </a:r>
-          </a:p>
-        </p:txBody>
-      </p:sp>
+            <a:ln w="0">
+              <a:noFill/>
+            </a:ln>
+          </p:spPr>
+          <p:txBody>
+            <a:bodyPr vert="horz" wrap="square" rtlCol="0">
+              <a:spAutoFit/>
+            </a:bodyPr>
+            <a:lstStyle/>
+            <a:p>
+              <a:r>
+                <a:rPr lang="en-US" altLang="zh-CN" sz="2400" b="1" dirty="0" err="1">
+                  <a:ln w="3175" cap="rnd">
+                    <a:noFill/>
+                  </a:ln>
+                  <a:latin typeface="Times New Roman" panose="02020603050405020304" pitchFamily="18" charset="0"/>
+                  <a:ea typeface="宋体" panose="02010600030101010101" pitchFamily="2" charset="-122"/>
+                  <a:cs typeface="Times New Roman" panose="02020603050405020304" pitchFamily="18" charset="0"/>
+                </a:rPr>
+                <a:t>Relu</a:t>
+              </a:r>
+              <a:r>
+                <a:rPr lang="en-US" altLang="zh-CN" sz="2400" b="1" dirty="0">
+                  <a:ln w="3175" cap="rnd">
+                    <a:noFill/>
+                  </a:ln>
+                  <a:latin typeface="Times New Roman" panose="02020603050405020304" pitchFamily="18" charset="0"/>
+                  <a:ea typeface="宋体" panose="02010600030101010101" pitchFamily="2" charset="-122"/>
+                  <a:cs typeface="Times New Roman" panose="02020603050405020304" pitchFamily="18" charset="0"/>
+                </a:rPr>
+                <a:t>( )</a:t>
+              </a:r>
+            </a:p>
+          </p:txBody>
+        </p:sp>
+      </p:grpSp>
       <p:grpSp>
         <p:nvGrpSpPr>
           <p:cNvPr id="41" name="组合 40">
@@ -13762,8 +13491,8 @@
             <a:chExt cx="5346856" cy="409617"/>
           </a:xfrm>
         </p:grpSpPr>
-        <mc:AlternateContent xmlns:mc="http://schemas.openxmlformats.org/markup-compatibility/2006">
-          <mc:Choice xmlns:a14="http://schemas.microsoft.com/office/drawing/2010/main" Requires="a14">
+        <mc:AlternateContent xmlns:mc="http://schemas.openxmlformats.org/markup-compatibility/2006" xmlns:a14="http://schemas.microsoft.com/office/drawing/2010/main">
+          <mc:Choice Requires="a14">
             <p:sp>
               <p:nvSpPr>
                 <p:cNvPr id="39" name="文本框 38">
@@ -13792,6 +13521,7 @@
                 </a:bodyPr>
                 <a:lstStyle/>
                 <a:p>
+                  <a:pPr/>
                   <a14:m>
                     <m:oMathPara xmlns:m="http://schemas.openxmlformats.org/officeDocument/2006/math">
                       <m:oMathParaPr>
@@ -13826,7 +13556,7 @@
               </p:txBody>
             </p:sp>
           </mc:Choice>
-          <mc:Fallback>
+          <mc:Fallback xmlns="">
             <p:sp>
               <p:nvSpPr>
                 <p:cNvPr id="39" name="文本框 38">
@@ -13951,13 +13681,14 @@
           <a:p>
             <a:r>
               <a:rPr lang="en-US" altLang="zh-CN" sz="2000" b="1" dirty="0" err="1">
-                <a:latin typeface="仿宋" panose="02010609060101010101" pitchFamily="49" charset="-122"/>
+                <a:latin typeface="Times New Roman" panose="02020603050405020304" pitchFamily="18" charset="0"/>
                 <a:ea typeface="仿宋" panose="02010609060101010101" pitchFamily="49" charset="-122"/>
+                <a:cs typeface="Times New Roman" panose="02020603050405020304" pitchFamily="18" charset="0"/>
               </a:rPr>
               <a:t>ResNetBlock</a:t>
             </a:r>
             <a:r>
-              <a:rPr lang="zh-CN" altLang="en-US" sz="2000" b="1">
+              <a:rPr lang="zh-CN" altLang="en-US" sz="2000" b="1" dirty="0">
                 <a:latin typeface="仿宋" panose="02010609060101010101" pitchFamily="49" charset="-122"/>
                 <a:ea typeface="仿宋" panose="02010609060101010101" pitchFamily="49" charset="-122"/>
               </a:rPr>
@@ -13970,10 +13701,1697 @@
           </a:p>
         </p:txBody>
       </p:sp>
+      <p:sp>
+        <p:nvSpPr>
+          <p:cNvPr id="7" name="箭头: 下 6">
+            <a:extLst>
+              <a:ext uri="{FF2B5EF4-FFF2-40B4-BE49-F238E27FC236}">
+                <a16:creationId xmlns:a16="http://schemas.microsoft.com/office/drawing/2014/main" id="{A33B0613-712B-4FF7-92F0-D4B89A61069B}"/>
+              </a:ext>
+            </a:extLst>
+          </p:cNvPr>
+          <p:cNvSpPr/>
+          <p:nvPr/>
+        </p:nvSpPr>
+        <p:spPr>
+          <a:xfrm rot="16200000">
+            <a:off x="3304896" y="2435623"/>
+            <a:ext cx="282681" cy="968357"/>
+          </a:xfrm>
+          <a:prstGeom prst="downArrow">
+            <a:avLst>
+              <a:gd name="adj1" fmla="val 42138"/>
+              <a:gd name="adj2" fmla="val 50000"/>
+            </a:avLst>
+          </a:prstGeom>
+          <a:solidFill>
+            <a:schemeClr val="accent2">
+              <a:lumMod val="20000"/>
+              <a:lumOff val="80000"/>
+            </a:schemeClr>
+          </a:solidFill>
+          <a:ln w="19050" cap="rnd">
+            <a:solidFill>
+              <a:srgbClr val="C55A11"/>
+            </a:solidFill>
+            <a:bevel/>
+          </a:ln>
+          <a:effectLst>
+            <a:outerShdw blurRad="50800" dist="38100" dir="8100000" algn="tr" rotWithShape="0">
+              <a:prstClr val="black">
+                <a:alpha val="40000"/>
+              </a:prstClr>
+            </a:outerShdw>
+          </a:effectLst>
+        </p:spPr>
+        <p:style>
+          <a:lnRef idx="2">
+            <a:schemeClr val="accent1">
+              <a:shade val="50000"/>
+            </a:schemeClr>
+          </a:lnRef>
+          <a:fillRef idx="1">
+            <a:schemeClr val="accent1"/>
+          </a:fillRef>
+          <a:effectRef idx="0">
+            <a:schemeClr val="accent1"/>
+          </a:effectRef>
+          <a:fontRef idx="minor">
+            <a:schemeClr val="lt1"/>
+          </a:fontRef>
+        </p:style>
+        <p:txBody>
+          <a:bodyPr rtlCol="0" anchor="ctr"/>
+          <a:lstStyle/>
+          <a:p>
+            <a:pPr algn="ctr"/>
+            <a:endParaRPr lang="zh-CN" altLang="en-US" dirty="0">
+              <a:effectLst>
+                <a:outerShdw blurRad="50800" dist="38100" dir="5400000" algn="t" rotWithShape="0">
+                  <a:prstClr val="black">
+                    <a:alpha val="40000"/>
+                  </a:prstClr>
+                </a:outerShdw>
+              </a:effectLst>
+            </a:endParaRPr>
+          </a:p>
+        </p:txBody>
+      </p:sp>
+      <p:sp>
+        <p:nvSpPr>
+          <p:cNvPr id="4" name="矩形 3">
+            <a:extLst>
+              <a:ext uri="{FF2B5EF4-FFF2-40B4-BE49-F238E27FC236}">
+                <a16:creationId xmlns:a16="http://schemas.microsoft.com/office/drawing/2014/main" id="{04CA1857-87AE-42ED-B913-22870E0566F0}"/>
+              </a:ext>
+            </a:extLst>
+          </p:cNvPr>
+          <p:cNvSpPr/>
+          <p:nvPr/>
+        </p:nvSpPr>
+        <p:spPr>
+          <a:xfrm>
+            <a:off x="2220841" y="1566153"/>
+            <a:ext cx="968356" cy="2933322"/>
+          </a:xfrm>
+          <a:prstGeom prst="rect">
+            <a:avLst/>
+          </a:prstGeom>
+          <a:solidFill>
+            <a:srgbClr val="59C1D9">
+              <a:alpha val="80000"/>
+            </a:srgbClr>
+          </a:solidFill>
+          <a:ln w="22225">
+            <a:solidFill>
+              <a:schemeClr val="bg2">
+                <a:lumMod val="90000"/>
+              </a:schemeClr>
+            </a:solidFill>
+          </a:ln>
+          <a:effectLst>
+            <a:outerShdw blurRad="50800" dist="38100" dir="8100000" algn="tr" rotWithShape="0">
+              <a:prstClr val="black">
+                <a:alpha val="40000"/>
+              </a:prstClr>
+            </a:outerShdw>
+          </a:effectLst>
+        </p:spPr>
+        <p:style>
+          <a:lnRef idx="2">
+            <a:schemeClr val="accent1">
+              <a:shade val="50000"/>
+            </a:schemeClr>
+          </a:lnRef>
+          <a:fillRef idx="1">
+            <a:schemeClr val="accent1"/>
+          </a:fillRef>
+          <a:effectRef idx="0">
+            <a:schemeClr val="accent1"/>
+          </a:effectRef>
+          <a:fontRef idx="minor">
+            <a:schemeClr val="lt1"/>
+          </a:fontRef>
+        </p:style>
+        <p:txBody>
+          <a:bodyPr rtlCol="0" anchor="ctr"/>
+          <a:lstStyle/>
+          <a:p>
+            <a:pPr algn="ctr"/>
+            <a:endParaRPr lang="zh-CN" altLang="en-US" dirty="0"/>
+          </a:p>
+        </p:txBody>
+      </p:sp>
+      <p:sp>
+        <p:nvSpPr>
+          <p:cNvPr id="14" name="箭头: 下 13">
+            <a:extLst>
+              <a:ext uri="{FF2B5EF4-FFF2-40B4-BE49-F238E27FC236}">
+                <a16:creationId xmlns:a16="http://schemas.microsoft.com/office/drawing/2014/main" id="{E206C5C6-F58A-487E-82D6-1B1A58DF8D95}"/>
+              </a:ext>
+            </a:extLst>
+          </p:cNvPr>
+          <p:cNvSpPr/>
+          <p:nvPr/>
+        </p:nvSpPr>
+        <p:spPr>
+          <a:xfrm rot="16200000">
+            <a:off x="1960005" y="2573167"/>
+            <a:ext cx="282681" cy="693267"/>
+          </a:xfrm>
+          <a:prstGeom prst="downArrow">
+            <a:avLst>
+              <a:gd name="adj1" fmla="val 42138"/>
+              <a:gd name="adj2" fmla="val 50000"/>
+            </a:avLst>
+          </a:prstGeom>
+          <a:solidFill>
+            <a:schemeClr val="accent2">
+              <a:lumMod val="20000"/>
+              <a:lumOff val="80000"/>
+            </a:schemeClr>
+          </a:solidFill>
+          <a:ln w="19050" cap="rnd">
+            <a:solidFill>
+              <a:srgbClr val="C55A11"/>
+            </a:solidFill>
+            <a:bevel/>
+          </a:ln>
+          <a:effectLst>
+            <a:outerShdw blurRad="50800" dist="38100" dir="8100000" algn="tr" rotWithShape="0">
+              <a:prstClr val="black">
+                <a:alpha val="40000"/>
+              </a:prstClr>
+            </a:outerShdw>
+          </a:effectLst>
+        </p:spPr>
+        <p:style>
+          <a:lnRef idx="2">
+            <a:schemeClr val="accent1">
+              <a:shade val="50000"/>
+            </a:schemeClr>
+          </a:lnRef>
+          <a:fillRef idx="1">
+            <a:schemeClr val="accent1"/>
+          </a:fillRef>
+          <a:effectRef idx="0">
+            <a:schemeClr val="accent1"/>
+          </a:effectRef>
+          <a:fontRef idx="minor">
+            <a:schemeClr val="lt1"/>
+          </a:fontRef>
+        </p:style>
+        <p:txBody>
+          <a:bodyPr rtlCol="0" anchor="ctr"/>
+          <a:lstStyle/>
+          <a:p>
+            <a:pPr algn="ctr"/>
+            <a:endParaRPr lang="zh-CN" altLang="en-US" dirty="0">
+              <a:effectLst>
+                <a:outerShdw blurRad="50800" dist="38100" dir="5400000" algn="t" rotWithShape="0">
+                  <a:prstClr val="black">
+                    <a:alpha val="40000"/>
+                  </a:prstClr>
+                </a:outerShdw>
+              </a:effectLst>
+            </a:endParaRPr>
+          </a:p>
+        </p:txBody>
+      </p:sp>
+      <p:sp>
+        <p:nvSpPr>
+          <p:cNvPr id="16" name="文本框 15">
+            <a:extLst>
+              <a:ext uri="{FF2B5EF4-FFF2-40B4-BE49-F238E27FC236}">
+                <a16:creationId xmlns:a16="http://schemas.microsoft.com/office/drawing/2014/main" id="{37EFEAF6-7E88-47FB-9631-F5047115A03D}"/>
+              </a:ext>
+            </a:extLst>
+          </p:cNvPr>
+          <p:cNvSpPr txBox="1"/>
+          <p:nvPr/>
+        </p:nvSpPr>
+        <p:spPr>
+          <a:xfrm>
+            <a:off x="2390316" y="2023242"/>
+            <a:ext cx="615553" cy="1708160"/>
+          </a:xfrm>
+          <a:prstGeom prst="rect">
+            <a:avLst/>
+          </a:prstGeom>
+          <a:noFill/>
+          <a:ln w="0">
+            <a:noFill/>
+          </a:ln>
+        </p:spPr>
+        <p:txBody>
+          <a:bodyPr vert="eaVert" wrap="square" rtlCol="0">
+            <a:spAutoFit/>
+          </a:bodyPr>
+          <a:lstStyle/>
+          <a:p>
+            <a:r>
+              <a:rPr lang="zh-CN" altLang="en-US" sz="2800" b="1" dirty="0">
+                <a:ln w="3175" cap="rnd">
+                  <a:noFill/>
+                </a:ln>
+                <a:latin typeface="宋体" panose="02010600030101010101" pitchFamily="2" charset="-122"/>
+                <a:ea typeface="宋体" panose="02010600030101010101" pitchFamily="2" charset="-122"/>
+              </a:rPr>
+              <a:t>全连接层</a:t>
+            </a:r>
+          </a:p>
+        </p:txBody>
+      </p:sp>
+      <p:sp>
+        <p:nvSpPr>
+          <p:cNvPr id="19" name="文本框 18">
+            <a:extLst>
+              <a:ext uri="{FF2B5EF4-FFF2-40B4-BE49-F238E27FC236}">
+                <a16:creationId xmlns:a16="http://schemas.microsoft.com/office/drawing/2014/main" id="{9152E0E5-F073-45EB-BD8D-721CED71870A}"/>
+              </a:ext>
+            </a:extLst>
+          </p:cNvPr>
+          <p:cNvSpPr txBox="1"/>
+          <p:nvPr/>
+        </p:nvSpPr>
+        <p:spPr>
+          <a:xfrm>
+            <a:off x="2268889" y="3715812"/>
+            <a:ext cx="1153372" cy="461665"/>
+          </a:xfrm>
+          <a:prstGeom prst="rect">
+            <a:avLst/>
+          </a:prstGeom>
+          <a:noFill/>
+          <a:ln w="0">
+            <a:noFill/>
+          </a:ln>
+        </p:spPr>
+        <p:txBody>
+          <a:bodyPr vert="horz" wrap="square" rtlCol="0">
+            <a:spAutoFit/>
+          </a:bodyPr>
+          <a:lstStyle/>
+          <a:p>
+            <a:r>
+              <a:rPr lang="en-US" altLang="zh-CN" sz="2400" b="1" dirty="0">
+                <a:ln w="3175" cap="rnd">
+                  <a:noFill/>
+                </a:ln>
+                <a:latin typeface="Times New Roman" panose="02020603050405020304" pitchFamily="18" charset="0"/>
+                <a:ea typeface="宋体" panose="02010600030101010101" pitchFamily="2" charset="-122"/>
+                <a:cs typeface="Times New Roman" panose="02020603050405020304" pitchFamily="18" charset="0"/>
+              </a:rPr>
+              <a:t>MLP</a:t>
+            </a:r>
+            <a:endParaRPr lang="zh-CN" altLang="en-US" sz="2400" b="1" dirty="0">
+              <a:ln w="3175" cap="rnd">
+                <a:noFill/>
+              </a:ln>
+              <a:latin typeface="Times New Roman" panose="02020603050405020304" pitchFamily="18" charset="0"/>
+              <a:ea typeface="宋体" panose="02010600030101010101" pitchFamily="2" charset="-122"/>
+              <a:cs typeface="Times New Roman" panose="02020603050405020304" pitchFamily="18" charset="0"/>
+            </a:endParaRPr>
+          </a:p>
+        </p:txBody>
+      </p:sp>
     </p:spTree>
     <p:extLst>
       <p:ext uri="{BB962C8B-B14F-4D97-AF65-F5344CB8AC3E}">
         <p14:creationId xmlns:p14="http://schemas.microsoft.com/office/powerpoint/2010/main" val="4250994497"/>
+      </p:ext>
+    </p:extLst>
+  </p:cSld>
+  <p:clrMapOvr>
+    <a:masterClrMapping/>
+  </p:clrMapOvr>
+</p:sld>
+</file>
+
+<file path=ppt/slides/slide6.xml><?xml version="1.0" encoding="utf-8"?>
+<p:sld xmlns:a="http://schemas.openxmlformats.org/drawingml/2006/main" xmlns:r="http://schemas.openxmlformats.org/officeDocument/2006/relationships" xmlns:p="http://schemas.openxmlformats.org/presentationml/2006/main">
+  <p:cSld>
+    <p:spTree>
+      <p:nvGrpSpPr>
+        <p:cNvPr id="1" name=""/>
+        <p:cNvGrpSpPr/>
+        <p:nvPr/>
+      </p:nvGrpSpPr>
+      <p:grpSpPr>
+        <a:xfrm>
+          <a:off x="0" y="0"/>
+          <a:ext cx="0" cy="0"/>
+          <a:chOff x="0" y="0"/>
+          <a:chExt cx="0" cy="0"/>
+        </a:xfrm>
+      </p:grpSpPr>
+      <p:sp>
+        <p:nvSpPr>
+          <p:cNvPr id="78" name="矩形 77">
+            <a:extLst>
+              <a:ext uri="{FF2B5EF4-FFF2-40B4-BE49-F238E27FC236}">
+                <a16:creationId xmlns:a16="http://schemas.microsoft.com/office/drawing/2014/main" id="{253DBEF6-7FF9-4948-B413-BC3C64EC6F52}"/>
+              </a:ext>
+            </a:extLst>
+          </p:cNvPr>
+          <p:cNvSpPr/>
+          <p:nvPr/>
+        </p:nvSpPr>
+        <p:spPr>
+          <a:xfrm>
+            <a:off x="7428508" y="1474709"/>
+            <a:ext cx="575706" cy="2178275"/>
+          </a:xfrm>
+          <a:prstGeom prst="rect">
+            <a:avLst/>
+          </a:prstGeom>
+          <a:solidFill>
+            <a:srgbClr val="59C1D9">
+              <a:alpha val="80000"/>
+            </a:srgbClr>
+          </a:solidFill>
+          <a:ln w="22225">
+            <a:solidFill>
+              <a:schemeClr val="bg2">
+                <a:lumMod val="90000"/>
+              </a:schemeClr>
+            </a:solidFill>
+          </a:ln>
+          <a:effectLst>
+            <a:outerShdw blurRad="50800" dist="38100" dir="8100000" algn="tr" rotWithShape="0">
+              <a:prstClr val="black">
+                <a:alpha val="40000"/>
+              </a:prstClr>
+            </a:outerShdw>
+          </a:effectLst>
+        </p:spPr>
+        <p:style>
+          <a:lnRef idx="2">
+            <a:schemeClr val="accent1">
+              <a:shade val="50000"/>
+            </a:schemeClr>
+          </a:lnRef>
+          <a:fillRef idx="1">
+            <a:schemeClr val="accent1"/>
+          </a:fillRef>
+          <a:effectRef idx="0">
+            <a:schemeClr val="accent1"/>
+          </a:effectRef>
+          <a:fontRef idx="minor">
+            <a:schemeClr val="lt1"/>
+          </a:fontRef>
+        </p:style>
+        <p:txBody>
+          <a:bodyPr rtlCol="0" anchor="ctr"/>
+          <a:lstStyle/>
+          <a:p>
+            <a:pPr algn="ctr"/>
+            <a:endParaRPr lang="zh-CN" altLang="en-US" dirty="0"/>
+          </a:p>
+        </p:txBody>
+      </p:sp>
+      <p:sp>
+        <p:nvSpPr>
+          <p:cNvPr id="79" name="文本框 78">
+            <a:extLst>
+              <a:ext uri="{FF2B5EF4-FFF2-40B4-BE49-F238E27FC236}">
+                <a16:creationId xmlns:a16="http://schemas.microsoft.com/office/drawing/2014/main" id="{83E362C6-01EB-4B9B-BF24-C2F9B99EBB57}"/>
+              </a:ext>
+            </a:extLst>
+          </p:cNvPr>
+          <p:cNvSpPr txBox="1"/>
+          <p:nvPr/>
+        </p:nvSpPr>
+        <p:spPr>
+          <a:xfrm>
+            <a:off x="7469286" y="1701390"/>
+            <a:ext cx="492443" cy="1305986"/>
+          </a:xfrm>
+          <a:prstGeom prst="rect">
+            <a:avLst/>
+          </a:prstGeom>
+          <a:noFill/>
+          <a:ln w="0">
+            <a:noFill/>
+          </a:ln>
+        </p:spPr>
+        <p:txBody>
+          <a:bodyPr vert="eaVert" wrap="square" rtlCol="0">
+            <a:spAutoFit/>
+          </a:bodyPr>
+          <a:lstStyle/>
+          <a:p>
+            <a:pPr algn="dist"/>
+            <a:r>
+              <a:rPr lang="zh-CN" altLang="en-US" sz="2000" b="1" dirty="0">
+                <a:ln w="3175" cap="rnd">
+                  <a:noFill/>
+                </a:ln>
+                <a:latin typeface="宋体" panose="02010600030101010101" pitchFamily="2" charset="-122"/>
+                <a:ea typeface="宋体" panose="02010600030101010101" pitchFamily="2" charset="-122"/>
+              </a:rPr>
+              <a:t>全连接层</a:t>
+            </a:r>
+          </a:p>
+        </p:txBody>
+      </p:sp>
+      <p:sp>
+        <p:nvSpPr>
+          <p:cNvPr id="80" name="文本框 79">
+            <a:extLst>
+              <a:ext uri="{FF2B5EF4-FFF2-40B4-BE49-F238E27FC236}">
+                <a16:creationId xmlns:a16="http://schemas.microsoft.com/office/drawing/2014/main" id="{757B7AD1-B373-40AD-84CF-2DE148EB80B0}"/>
+              </a:ext>
+            </a:extLst>
+          </p:cNvPr>
+          <p:cNvSpPr txBox="1"/>
+          <p:nvPr/>
+        </p:nvSpPr>
+        <p:spPr>
+          <a:xfrm>
+            <a:off x="7386664" y="3057913"/>
+            <a:ext cx="813529" cy="369332"/>
+          </a:xfrm>
+          <a:prstGeom prst="rect">
+            <a:avLst/>
+          </a:prstGeom>
+          <a:noFill/>
+          <a:ln w="0">
+            <a:noFill/>
+          </a:ln>
+        </p:spPr>
+        <p:txBody>
+          <a:bodyPr vert="horz" wrap="square" rtlCol="0">
+            <a:spAutoFit/>
+          </a:bodyPr>
+          <a:lstStyle/>
+          <a:p>
+            <a:r>
+              <a:rPr lang="en-US" altLang="zh-CN" b="1" dirty="0">
+                <a:ln w="3175" cap="rnd">
+                  <a:noFill/>
+                </a:ln>
+                <a:latin typeface="Times New Roman" panose="02020603050405020304" pitchFamily="18" charset="0"/>
+                <a:ea typeface="宋体" panose="02010600030101010101" pitchFamily="2" charset="-122"/>
+                <a:cs typeface="Times New Roman" panose="02020603050405020304" pitchFamily="18" charset="0"/>
+              </a:rPr>
+              <a:t>MLP</a:t>
+            </a:r>
+            <a:endParaRPr lang="zh-CN" altLang="en-US" b="1" dirty="0">
+              <a:ln w="3175" cap="rnd">
+                <a:noFill/>
+              </a:ln>
+              <a:latin typeface="Times New Roman" panose="02020603050405020304" pitchFamily="18" charset="0"/>
+              <a:ea typeface="宋体" panose="02010600030101010101" pitchFamily="2" charset="-122"/>
+              <a:cs typeface="Times New Roman" panose="02020603050405020304" pitchFamily="18" charset="0"/>
+            </a:endParaRPr>
+          </a:p>
+        </p:txBody>
+      </p:sp>
+      <p:sp>
+        <p:nvSpPr>
+          <p:cNvPr id="75" name="箭头: 下 74">
+            <a:extLst>
+              <a:ext uri="{FF2B5EF4-FFF2-40B4-BE49-F238E27FC236}">
+                <a16:creationId xmlns:a16="http://schemas.microsoft.com/office/drawing/2014/main" id="{FB004015-E88F-46E5-9D3E-2F086D0176F7}"/>
+              </a:ext>
+            </a:extLst>
+          </p:cNvPr>
+          <p:cNvSpPr/>
+          <p:nvPr/>
+        </p:nvSpPr>
+        <p:spPr>
+          <a:xfrm rot="16200000">
+            <a:off x="7138578" y="2311941"/>
+            <a:ext cx="282681" cy="575708"/>
+          </a:xfrm>
+          <a:prstGeom prst="downArrow">
+            <a:avLst>
+              <a:gd name="adj1" fmla="val 42138"/>
+              <a:gd name="adj2" fmla="val 50000"/>
+            </a:avLst>
+          </a:prstGeom>
+          <a:solidFill>
+            <a:schemeClr val="accent2">
+              <a:lumMod val="20000"/>
+              <a:lumOff val="80000"/>
+            </a:schemeClr>
+          </a:solidFill>
+          <a:ln w="19050" cap="rnd">
+            <a:solidFill>
+              <a:srgbClr val="C55A11"/>
+            </a:solidFill>
+            <a:bevel/>
+          </a:ln>
+          <a:effectLst>
+            <a:outerShdw blurRad="50800" dist="38100" dir="8100000" algn="tr" rotWithShape="0">
+              <a:prstClr val="black">
+                <a:alpha val="40000"/>
+              </a:prstClr>
+            </a:outerShdw>
+          </a:effectLst>
+        </p:spPr>
+        <p:style>
+          <a:lnRef idx="2">
+            <a:schemeClr val="accent1">
+              <a:shade val="50000"/>
+            </a:schemeClr>
+          </a:lnRef>
+          <a:fillRef idx="1">
+            <a:schemeClr val="accent1"/>
+          </a:fillRef>
+          <a:effectRef idx="0">
+            <a:schemeClr val="accent1"/>
+          </a:effectRef>
+          <a:fontRef idx="minor">
+            <a:schemeClr val="lt1"/>
+          </a:fontRef>
+        </p:style>
+        <p:txBody>
+          <a:bodyPr rtlCol="0" anchor="ctr"/>
+          <a:lstStyle/>
+          <a:p>
+            <a:pPr algn="ctr"/>
+            <a:endParaRPr lang="zh-CN" altLang="en-US" dirty="0">
+              <a:effectLst>
+                <a:outerShdw blurRad="50800" dist="38100" dir="5400000" algn="t" rotWithShape="0">
+                  <a:prstClr val="black">
+                    <a:alpha val="40000"/>
+                  </a:prstClr>
+                </a:outerShdw>
+              </a:effectLst>
+            </a:endParaRPr>
+          </a:p>
+        </p:txBody>
+      </p:sp>
+      <p:sp>
+        <p:nvSpPr>
+          <p:cNvPr id="65" name="箭头: 下 64">
+            <a:extLst>
+              <a:ext uri="{FF2B5EF4-FFF2-40B4-BE49-F238E27FC236}">
+                <a16:creationId xmlns:a16="http://schemas.microsoft.com/office/drawing/2014/main" id="{CC821667-A346-403A-B513-5AB5183B6014}"/>
+              </a:ext>
+            </a:extLst>
+          </p:cNvPr>
+          <p:cNvSpPr/>
+          <p:nvPr/>
+        </p:nvSpPr>
+        <p:spPr>
+          <a:xfrm rot="16200000">
+            <a:off x="5063206" y="2396836"/>
+            <a:ext cx="282681" cy="406988"/>
+          </a:xfrm>
+          <a:prstGeom prst="downArrow">
+            <a:avLst>
+              <a:gd name="adj1" fmla="val 42138"/>
+              <a:gd name="adj2" fmla="val 50000"/>
+            </a:avLst>
+          </a:prstGeom>
+          <a:solidFill>
+            <a:schemeClr val="accent2">
+              <a:lumMod val="20000"/>
+              <a:lumOff val="80000"/>
+            </a:schemeClr>
+          </a:solidFill>
+          <a:ln w="19050" cap="rnd">
+            <a:solidFill>
+              <a:srgbClr val="C55A11"/>
+            </a:solidFill>
+            <a:bevel/>
+          </a:ln>
+          <a:effectLst>
+            <a:outerShdw blurRad="50800" dist="38100" dir="8100000" algn="tr" rotWithShape="0">
+              <a:prstClr val="black">
+                <a:alpha val="40000"/>
+              </a:prstClr>
+            </a:outerShdw>
+          </a:effectLst>
+        </p:spPr>
+        <p:style>
+          <a:lnRef idx="2">
+            <a:schemeClr val="accent1">
+              <a:shade val="50000"/>
+            </a:schemeClr>
+          </a:lnRef>
+          <a:fillRef idx="1">
+            <a:schemeClr val="accent1"/>
+          </a:fillRef>
+          <a:effectRef idx="0">
+            <a:schemeClr val="accent1"/>
+          </a:effectRef>
+          <a:fontRef idx="minor">
+            <a:schemeClr val="lt1"/>
+          </a:fontRef>
+        </p:style>
+        <p:txBody>
+          <a:bodyPr rtlCol="0" anchor="ctr"/>
+          <a:lstStyle/>
+          <a:p>
+            <a:pPr algn="ctr"/>
+            <a:endParaRPr lang="zh-CN" altLang="en-US" dirty="0">
+              <a:effectLst>
+                <a:outerShdw blurRad="50800" dist="38100" dir="5400000" algn="t" rotWithShape="0">
+                  <a:prstClr val="black">
+                    <a:alpha val="40000"/>
+                  </a:prstClr>
+                </a:outerShdw>
+              </a:effectLst>
+            </a:endParaRPr>
+          </a:p>
+        </p:txBody>
+      </p:sp>
+      <p:sp>
+        <p:nvSpPr>
+          <p:cNvPr id="61" name="矩形 60">
+            <a:extLst>
+              <a:ext uri="{FF2B5EF4-FFF2-40B4-BE49-F238E27FC236}">
+                <a16:creationId xmlns:a16="http://schemas.microsoft.com/office/drawing/2014/main" id="{52B27712-EB8A-413C-9A5C-6A7F0CAAE41C}"/>
+              </a:ext>
+            </a:extLst>
+          </p:cNvPr>
+          <p:cNvSpPr/>
+          <p:nvPr/>
+        </p:nvSpPr>
+        <p:spPr>
+          <a:xfrm>
+            <a:off x="4218036" y="1648672"/>
+            <a:ext cx="876247" cy="1830348"/>
+          </a:xfrm>
+          <a:prstGeom prst="rect">
+            <a:avLst/>
+          </a:prstGeom>
+          <a:solidFill>
+            <a:srgbClr val="F1995D">
+              <a:alpha val="80000"/>
+            </a:srgbClr>
+          </a:solidFill>
+          <a:ln w="22225">
+            <a:solidFill>
+              <a:schemeClr val="bg2">
+                <a:lumMod val="90000"/>
+              </a:schemeClr>
+            </a:solidFill>
+          </a:ln>
+          <a:effectLst>
+            <a:outerShdw blurRad="50800" dist="38100" dir="8100000" algn="tr" rotWithShape="0">
+              <a:prstClr val="black">
+                <a:alpha val="40000"/>
+              </a:prstClr>
+            </a:outerShdw>
+          </a:effectLst>
+        </p:spPr>
+        <p:style>
+          <a:lnRef idx="2">
+            <a:schemeClr val="accent1">
+              <a:shade val="50000"/>
+            </a:schemeClr>
+          </a:lnRef>
+          <a:fillRef idx="1">
+            <a:schemeClr val="accent1"/>
+          </a:fillRef>
+          <a:effectRef idx="0">
+            <a:schemeClr val="accent1"/>
+          </a:effectRef>
+          <a:fontRef idx="minor">
+            <a:schemeClr val="lt1"/>
+          </a:fontRef>
+        </p:style>
+        <p:txBody>
+          <a:bodyPr rtlCol="0" anchor="ctr"/>
+          <a:lstStyle/>
+          <a:p>
+            <a:pPr algn="ctr"/>
+            <a:endParaRPr lang="zh-CN" altLang="en-US" dirty="0"/>
+          </a:p>
+        </p:txBody>
+      </p:sp>
+      <p:sp>
+        <p:nvSpPr>
+          <p:cNvPr id="64" name="箭头: 下 63">
+            <a:extLst>
+              <a:ext uri="{FF2B5EF4-FFF2-40B4-BE49-F238E27FC236}">
+                <a16:creationId xmlns:a16="http://schemas.microsoft.com/office/drawing/2014/main" id="{6D2F1397-0A1F-49C0-9570-9A2FA4DC07E8}"/>
+              </a:ext>
+            </a:extLst>
+          </p:cNvPr>
+          <p:cNvSpPr/>
+          <p:nvPr/>
+        </p:nvSpPr>
+        <p:spPr>
+          <a:xfrm rot="16200000">
+            <a:off x="3950826" y="2312476"/>
+            <a:ext cx="282681" cy="575708"/>
+          </a:xfrm>
+          <a:prstGeom prst="downArrow">
+            <a:avLst>
+              <a:gd name="adj1" fmla="val 42138"/>
+              <a:gd name="adj2" fmla="val 50000"/>
+            </a:avLst>
+          </a:prstGeom>
+          <a:solidFill>
+            <a:schemeClr val="accent2">
+              <a:lumMod val="20000"/>
+              <a:lumOff val="80000"/>
+            </a:schemeClr>
+          </a:solidFill>
+          <a:ln w="19050" cap="rnd">
+            <a:solidFill>
+              <a:srgbClr val="C55A11"/>
+            </a:solidFill>
+            <a:bevel/>
+          </a:ln>
+          <a:effectLst>
+            <a:outerShdw blurRad="50800" dist="38100" dir="8100000" algn="tr" rotWithShape="0">
+              <a:prstClr val="black">
+                <a:alpha val="40000"/>
+              </a:prstClr>
+            </a:outerShdw>
+          </a:effectLst>
+        </p:spPr>
+        <p:style>
+          <a:lnRef idx="2">
+            <a:schemeClr val="accent1">
+              <a:shade val="50000"/>
+            </a:schemeClr>
+          </a:lnRef>
+          <a:fillRef idx="1">
+            <a:schemeClr val="accent1"/>
+          </a:fillRef>
+          <a:effectRef idx="0">
+            <a:schemeClr val="accent1"/>
+          </a:effectRef>
+          <a:fontRef idx="minor">
+            <a:schemeClr val="lt1"/>
+          </a:fontRef>
+        </p:style>
+        <p:txBody>
+          <a:bodyPr rtlCol="0" anchor="ctr"/>
+          <a:lstStyle/>
+          <a:p>
+            <a:pPr algn="ctr"/>
+            <a:endParaRPr lang="zh-CN" altLang="en-US" dirty="0">
+              <a:effectLst>
+                <a:outerShdw blurRad="50800" dist="38100" dir="5400000" algn="t" rotWithShape="0">
+                  <a:prstClr val="black">
+                    <a:alpha val="40000"/>
+                  </a:prstClr>
+                </a:outerShdw>
+              </a:effectLst>
+            </a:endParaRPr>
+          </a:p>
+        </p:txBody>
+      </p:sp>
+      <p:sp>
+        <p:nvSpPr>
+          <p:cNvPr id="58" name="矩形 57">
+            <a:extLst>
+              <a:ext uri="{FF2B5EF4-FFF2-40B4-BE49-F238E27FC236}">
+                <a16:creationId xmlns:a16="http://schemas.microsoft.com/office/drawing/2014/main" id="{08F8DE7C-61FF-4F4D-B5CB-C536D6377A3D}"/>
+              </a:ext>
+            </a:extLst>
+          </p:cNvPr>
+          <p:cNvSpPr/>
+          <p:nvPr/>
+        </p:nvSpPr>
+        <p:spPr>
+          <a:xfrm>
+            <a:off x="3032609" y="1648672"/>
+            <a:ext cx="876247" cy="1830348"/>
+          </a:xfrm>
+          <a:prstGeom prst="rect">
+            <a:avLst/>
+          </a:prstGeom>
+          <a:solidFill>
+            <a:srgbClr val="F1995D">
+              <a:alpha val="80000"/>
+            </a:srgbClr>
+          </a:solidFill>
+          <a:ln w="22225">
+            <a:solidFill>
+              <a:schemeClr val="bg2">
+                <a:lumMod val="90000"/>
+              </a:schemeClr>
+            </a:solidFill>
+          </a:ln>
+          <a:effectLst>
+            <a:outerShdw blurRad="50800" dist="38100" dir="8100000" algn="tr" rotWithShape="0">
+              <a:prstClr val="black">
+                <a:alpha val="40000"/>
+              </a:prstClr>
+            </a:outerShdw>
+          </a:effectLst>
+        </p:spPr>
+        <p:style>
+          <a:lnRef idx="2">
+            <a:schemeClr val="accent1">
+              <a:shade val="50000"/>
+            </a:schemeClr>
+          </a:lnRef>
+          <a:fillRef idx="1">
+            <a:schemeClr val="accent1"/>
+          </a:fillRef>
+          <a:effectRef idx="0">
+            <a:schemeClr val="accent1"/>
+          </a:effectRef>
+          <a:fontRef idx="minor">
+            <a:schemeClr val="lt1"/>
+          </a:fontRef>
+        </p:style>
+        <p:txBody>
+          <a:bodyPr rtlCol="0" anchor="ctr"/>
+          <a:lstStyle/>
+          <a:p>
+            <a:pPr algn="ctr"/>
+            <a:endParaRPr lang="zh-CN" altLang="en-US" dirty="0"/>
+          </a:p>
+        </p:txBody>
+      </p:sp>
+      <p:sp>
+        <p:nvSpPr>
+          <p:cNvPr id="62" name="矩形 61">
+            <a:extLst>
+              <a:ext uri="{FF2B5EF4-FFF2-40B4-BE49-F238E27FC236}">
+                <a16:creationId xmlns:a16="http://schemas.microsoft.com/office/drawing/2014/main" id="{3D44EEE1-DE53-47F1-B74C-048316C0ADE5}"/>
+              </a:ext>
+            </a:extLst>
+          </p:cNvPr>
+          <p:cNvSpPr/>
+          <p:nvPr/>
+        </p:nvSpPr>
+        <p:spPr>
+          <a:xfrm>
+            <a:off x="6244332" y="1648672"/>
+            <a:ext cx="876247" cy="1830348"/>
+          </a:xfrm>
+          <a:prstGeom prst="rect">
+            <a:avLst/>
+          </a:prstGeom>
+          <a:solidFill>
+            <a:srgbClr val="F1995D">
+              <a:alpha val="80000"/>
+            </a:srgbClr>
+          </a:solidFill>
+          <a:ln w="22225">
+            <a:solidFill>
+              <a:schemeClr val="bg2">
+                <a:lumMod val="90000"/>
+              </a:schemeClr>
+            </a:solidFill>
+          </a:ln>
+          <a:effectLst>
+            <a:outerShdw blurRad="50800" dist="38100" dir="8100000" algn="tr" rotWithShape="0">
+              <a:prstClr val="black">
+                <a:alpha val="40000"/>
+              </a:prstClr>
+            </a:outerShdw>
+          </a:effectLst>
+        </p:spPr>
+        <p:style>
+          <a:lnRef idx="2">
+            <a:schemeClr val="accent1">
+              <a:shade val="50000"/>
+            </a:schemeClr>
+          </a:lnRef>
+          <a:fillRef idx="1">
+            <a:schemeClr val="accent1"/>
+          </a:fillRef>
+          <a:effectRef idx="0">
+            <a:schemeClr val="accent1"/>
+          </a:effectRef>
+          <a:fontRef idx="minor">
+            <a:schemeClr val="lt1"/>
+          </a:fontRef>
+        </p:style>
+        <p:txBody>
+          <a:bodyPr rtlCol="0" anchor="ctr"/>
+          <a:lstStyle/>
+          <a:p>
+            <a:pPr algn="ctr"/>
+            <a:endParaRPr lang="zh-CN" altLang="en-US" dirty="0"/>
+          </a:p>
+        </p:txBody>
+      </p:sp>
+      <p:sp>
+        <p:nvSpPr>
+          <p:cNvPr id="63" name="箭头: 下 62">
+            <a:extLst>
+              <a:ext uri="{FF2B5EF4-FFF2-40B4-BE49-F238E27FC236}">
+                <a16:creationId xmlns:a16="http://schemas.microsoft.com/office/drawing/2014/main" id="{A4290768-0656-4FDF-9EAE-7DB72F388EE1}"/>
+              </a:ext>
+            </a:extLst>
+          </p:cNvPr>
+          <p:cNvSpPr/>
+          <p:nvPr/>
+        </p:nvSpPr>
+        <p:spPr>
+          <a:xfrm rot="16200000">
+            <a:off x="2754086" y="2315243"/>
+            <a:ext cx="282681" cy="575708"/>
+          </a:xfrm>
+          <a:prstGeom prst="downArrow">
+            <a:avLst>
+              <a:gd name="adj1" fmla="val 42138"/>
+              <a:gd name="adj2" fmla="val 50000"/>
+            </a:avLst>
+          </a:prstGeom>
+          <a:solidFill>
+            <a:schemeClr val="accent2">
+              <a:lumMod val="20000"/>
+              <a:lumOff val="80000"/>
+            </a:schemeClr>
+          </a:solidFill>
+          <a:ln w="19050" cap="rnd">
+            <a:solidFill>
+              <a:srgbClr val="C55A11"/>
+            </a:solidFill>
+            <a:bevel/>
+          </a:ln>
+          <a:effectLst>
+            <a:outerShdw blurRad="50800" dist="38100" dir="8100000" algn="tr" rotWithShape="0">
+              <a:prstClr val="black">
+                <a:alpha val="40000"/>
+              </a:prstClr>
+            </a:outerShdw>
+          </a:effectLst>
+        </p:spPr>
+        <p:style>
+          <a:lnRef idx="2">
+            <a:schemeClr val="accent1">
+              <a:shade val="50000"/>
+            </a:schemeClr>
+          </a:lnRef>
+          <a:fillRef idx="1">
+            <a:schemeClr val="accent1"/>
+          </a:fillRef>
+          <a:effectRef idx="0">
+            <a:schemeClr val="accent1"/>
+          </a:effectRef>
+          <a:fontRef idx="minor">
+            <a:schemeClr val="lt1"/>
+          </a:fontRef>
+        </p:style>
+        <p:txBody>
+          <a:bodyPr rtlCol="0" anchor="ctr"/>
+          <a:lstStyle/>
+          <a:p>
+            <a:pPr algn="ctr"/>
+            <a:endParaRPr lang="zh-CN" altLang="en-US" dirty="0">
+              <a:effectLst>
+                <a:outerShdw blurRad="50800" dist="38100" dir="5400000" algn="t" rotWithShape="0">
+                  <a:prstClr val="black">
+                    <a:alpha val="40000"/>
+                  </a:prstClr>
+                </a:outerShdw>
+              </a:effectLst>
+            </a:endParaRPr>
+          </a:p>
+        </p:txBody>
+      </p:sp>
+      <p:sp>
+        <p:nvSpPr>
+          <p:cNvPr id="60" name="矩形 59">
+            <a:extLst>
+              <a:ext uri="{FF2B5EF4-FFF2-40B4-BE49-F238E27FC236}">
+                <a16:creationId xmlns:a16="http://schemas.microsoft.com/office/drawing/2014/main" id="{AF5F56F3-96A6-4916-AAD9-BB9D09E3C0CF}"/>
+              </a:ext>
+            </a:extLst>
+          </p:cNvPr>
+          <p:cNvSpPr/>
+          <p:nvPr/>
+        </p:nvSpPr>
+        <p:spPr>
+          <a:xfrm>
+            <a:off x="2147724" y="1474709"/>
+            <a:ext cx="575706" cy="2178275"/>
+          </a:xfrm>
+          <a:prstGeom prst="rect">
+            <a:avLst/>
+          </a:prstGeom>
+          <a:solidFill>
+            <a:srgbClr val="A0CC82">
+              <a:alpha val="80000"/>
+            </a:srgbClr>
+          </a:solidFill>
+          <a:ln w="22225">
+            <a:solidFill>
+              <a:schemeClr val="bg2">
+                <a:lumMod val="90000"/>
+              </a:schemeClr>
+            </a:solidFill>
+          </a:ln>
+          <a:effectLst>
+            <a:outerShdw blurRad="50800" dist="38100" dir="8100000" algn="tr" rotWithShape="0">
+              <a:prstClr val="black">
+                <a:alpha val="40000"/>
+              </a:prstClr>
+            </a:outerShdw>
+          </a:effectLst>
+        </p:spPr>
+        <p:style>
+          <a:lnRef idx="2">
+            <a:schemeClr val="accent1">
+              <a:shade val="50000"/>
+            </a:schemeClr>
+          </a:lnRef>
+          <a:fillRef idx="1">
+            <a:schemeClr val="accent1"/>
+          </a:fillRef>
+          <a:effectRef idx="0">
+            <a:schemeClr val="accent1"/>
+          </a:effectRef>
+          <a:fontRef idx="minor">
+            <a:schemeClr val="lt1"/>
+          </a:fontRef>
+        </p:style>
+        <p:txBody>
+          <a:bodyPr rtlCol="0" anchor="ctr"/>
+          <a:lstStyle/>
+          <a:p>
+            <a:pPr algn="ctr"/>
+            <a:endParaRPr lang="zh-CN" altLang="en-US" dirty="0"/>
+          </a:p>
+        </p:txBody>
+      </p:sp>
+      <p:sp>
+        <p:nvSpPr>
+          <p:cNvPr id="56" name="文本框 55">
+            <a:extLst>
+              <a:ext uri="{FF2B5EF4-FFF2-40B4-BE49-F238E27FC236}">
+                <a16:creationId xmlns:a16="http://schemas.microsoft.com/office/drawing/2014/main" id="{675CFB76-5AC2-4588-A4B4-C43B6E7C1F8D}"/>
+              </a:ext>
+            </a:extLst>
+          </p:cNvPr>
+          <p:cNvSpPr txBox="1"/>
+          <p:nvPr/>
+        </p:nvSpPr>
+        <p:spPr>
+          <a:xfrm>
+            <a:off x="2189355" y="1660727"/>
+            <a:ext cx="492443" cy="1358705"/>
+          </a:xfrm>
+          <a:prstGeom prst="rect">
+            <a:avLst/>
+          </a:prstGeom>
+          <a:noFill/>
+          <a:ln w="0">
+            <a:noFill/>
+          </a:ln>
+        </p:spPr>
+        <p:txBody>
+          <a:bodyPr vert="eaVert" wrap="none" rtlCol="0">
+            <a:spAutoFit/>
+          </a:bodyPr>
+          <a:lstStyle/>
+          <a:p>
+            <a:r>
+              <a:rPr lang="zh-CN" altLang="en-US" sz="2000" b="1" dirty="0">
+                <a:ln w="3175" cap="rnd">
+                  <a:noFill/>
+                </a:ln>
+                <a:latin typeface="宋体" panose="02010600030101010101" pitchFamily="2" charset="-122"/>
+                <a:ea typeface="宋体" panose="02010600030101010101" pitchFamily="2" charset="-122"/>
+              </a:rPr>
+              <a:t>激活函数层</a:t>
+            </a:r>
+          </a:p>
+        </p:txBody>
+      </p:sp>
+      <p:sp>
+        <p:nvSpPr>
+          <p:cNvPr id="57" name="文本框 56">
+            <a:extLst>
+              <a:ext uri="{FF2B5EF4-FFF2-40B4-BE49-F238E27FC236}">
+                <a16:creationId xmlns:a16="http://schemas.microsoft.com/office/drawing/2014/main" id="{6A63C463-217F-4F87-828A-80B83A5CEEB3}"/>
+              </a:ext>
+            </a:extLst>
+          </p:cNvPr>
+          <p:cNvSpPr txBox="1"/>
+          <p:nvPr/>
+        </p:nvSpPr>
+        <p:spPr>
+          <a:xfrm>
+            <a:off x="2054189" y="3064560"/>
+            <a:ext cx="1060825" cy="369332"/>
+          </a:xfrm>
+          <a:prstGeom prst="rect">
+            <a:avLst/>
+          </a:prstGeom>
+          <a:noFill/>
+          <a:ln w="0">
+            <a:noFill/>
+          </a:ln>
+        </p:spPr>
+        <p:txBody>
+          <a:bodyPr vert="horz" wrap="square" rtlCol="0">
+            <a:spAutoFit/>
+          </a:bodyPr>
+          <a:lstStyle/>
+          <a:p>
+            <a:r>
+              <a:rPr lang="en-US" altLang="zh-CN" b="1" dirty="0" err="1">
+                <a:ln w="3175" cap="rnd">
+                  <a:noFill/>
+                </a:ln>
+                <a:latin typeface="Times New Roman" panose="02020603050405020304" pitchFamily="18" charset="0"/>
+                <a:ea typeface="宋体" panose="02010600030101010101" pitchFamily="2" charset="-122"/>
+                <a:cs typeface="Times New Roman" panose="02020603050405020304" pitchFamily="18" charset="0"/>
+              </a:rPr>
+              <a:t>Relu</a:t>
+            </a:r>
+            <a:r>
+              <a:rPr lang="en-US" altLang="zh-CN" b="1" dirty="0">
+                <a:ln w="3175" cap="rnd">
+                  <a:noFill/>
+                </a:ln>
+                <a:latin typeface="Times New Roman" panose="02020603050405020304" pitchFamily="18" charset="0"/>
+                <a:ea typeface="宋体" panose="02010600030101010101" pitchFamily="2" charset="-122"/>
+                <a:cs typeface="Times New Roman" panose="02020603050405020304" pitchFamily="18" charset="0"/>
+              </a:rPr>
+              <a:t>( )</a:t>
+            </a:r>
+          </a:p>
+        </p:txBody>
+      </p:sp>
+      <p:sp>
+        <p:nvSpPr>
+          <p:cNvPr id="14" name="箭头: 下 13">
+            <a:extLst>
+              <a:ext uri="{FF2B5EF4-FFF2-40B4-BE49-F238E27FC236}">
+                <a16:creationId xmlns:a16="http://schemas.microsoft.com/office/drawing/2014/main" id="{E206C5C6-F58A-487E-82D6-1B1A58DF8D95}"/>
+              </a:ext>
+            </a:extLst>
+          </p:cNvPr>
+          <p:cNvSpPr/>
+          <p:nvPr/>
+        </p:nvSpPr>
+        <p:spPr>
+          <a:xfrm rot="16200000">
+            <a:off x="1861985" y="2304464"/>
+            <a:ext cx="282681" cy="575708"/>
+          </a:xfrm>
+          <a:prstGeom prst="downArrow">
+            <a:avLst>
+              <a:gd name="adj1" fmla="val 42138"/>
+              <a:gd name="adj2" fmla="val 50000"/>
+            </a:avLst>
+          </a:prstGeom>
+          <a:solidFill>
+            <a:schemeClr val="accent2">
+              <a:lumMod val="20000"/>
+              <a:lumOff val="80000"/>
+            </a:schemeClr>
+          </a:solidFill>
+          <a:ln w="19050" cap="rnd">
+            <a:solidFill>
+              <a:srgbClr val="C55A11"/>
+            </a:solidFill>
+            <a:bevel/>
+          </a:ln>
+          <a:effectLst>
+            <a:outerShdw blurRad="50800" dist="38100" dir="8100000" algn="tr" rotWithShape="0">
+              <a:prstClr val="black">
+                <a:alpha val="40000"/>
+              </a:prstClr>
+            </a:outerShdw>
+          </a:effectLst>
+        </p:spPr>
+        <p:style>
+          <a:lnRef idx="2">
+            <a:schemeClr val="accent1">
+              <a:shade val="50000"/>
+            </a:schemeClr>
+          </a:lnRef>
+          <a:fillRef idx="1">
+            <a:schemeClr val="accent1"/>
+          </a:fillRef>
+          <a:effectRef idx="0">
+            <a:schemeClr val="accent1"/>
+          </a:effectRef>
+          <a:fontRef idx="minor">
+            <a:schemeClr val="lt1"/>
+          </a:fontRef>
+        </p:style>
+        <p:txBody>
+          <a:bodyPr rtlCol="0" anchor="ctr"/>
+          <a:lstStyle/>
+          <a:p>
+            <a:pPr algn="ctr"/>
+            <a:endParaRPr lang="zh-CN" altLang="en-US" dirty="0">
+              <a:effectLst>
+                <a:outerShdw blurRad="50800" dist="38100" dir="5400000" algn="t" rotWithShape="0">
+                  <a:prstClr val="black">
+                    <a:alpha val="40000"/>
+                  </a:prstClr>
+                </a:outerShdw>
+              </a:effectLst>
+            </a:endParaRPr>
+          </a:p>
+        </p:txBody>
+      </p:sp>
+      <p:sp>
+        <p:nvSpPr>
+          <p:cNvPr id="43" name="矩形 42">
+            <a:extLst>
+              <a:ext uri="{FF2B5EF4-FFF2-40B4-BE49-F238E27FC236}">
+                <a16:creationId xmlns:a16="http://schemas.microsoft.com/office/drawing/2014/main" id="{41E85744-B9E1-41EC-92B7-61F18C41D220}"/>
+              </a:ext>
+            </a:extLst>
+          </p:cNvPr>
+          <p:cNvSpPr/>
+          <p:nvPr/>
+        </p:nvSpPr>
+        <p:spPr>
+          <a:xfrm>
+            <a:off x="1283429" y="1474710"/>
+            <a:ext cx="575706" cy="2178275"/>
+          </a:xfrm>
+          <a:prstGeom prst="rect">
+            <a:avLst/>
+          </a:prstGeom>
+          <a:solidFill>
+            <a:srgbClr val="59C1D9">
+              <a:alpha val="80000"/>
+            </a:srgbClr>
+          </a:solidFill>
+          <a:ln w="22225">
+            <a:solidFill>
+              <a:schemeClr val="bg2">
+                <a:lumMod val="90000"/>
+              </a:schemeClr>
+            </a:solidFill>
+          </a:ln>
+          <a:effectLst>
+            <a:outerShdw blurRad="50800" dist="38100" dir="8100000" algn="tr" rotWithShape="0">
+              <a:prstClr val="black">
+                <a:alpha val="40000"/>
+              </a:prstClr>
+            </a:outerShdw>
+          </a:effectLst>
+        </p:spPr>
+        <p:style>
+          <a:lnRef idx="2">
+            <a:schemeClr val="accent1">
+              <a:shade val="50000"/>
+            </a:schemeClr>
+          </a:lnRef>
+          <a:fillRef idx="1">
+            <a:schemeClr val="accent1"/>
+          </a:fillRef>
+          <a:effectRef idx="0">
+            <a:schemeClr val="accent1"/>
+          </a:effectRef>
+          <a:fontRef idx="minor">
+            <a:schemeClr val="lt1"/>
+          </a:fontRef>
+        </p:style>
+        <p:txBody>
+          <a:bodyPr rtlCol="0" anchor="ctr"/>
+          <a:lstStyle/>
+          <a:p>
+            <a:pPr algn="ctr"/>
+            <a:endParaRPr lang="zh-CN" altLang="en-US" dirty="0"/>
+          </a:p>
+        </p:txBody>
+      </p:sp>
+      <p:sp>
+        <p:nvSpPr>
+          <p:cNvPr id="44" name="文本框 43">
+            <a:extLst>
+              <a:ext uri="{FF2B5EF4-FFF2-40B4-BE49-F238E27FC236}">
+                <a16:creationId xmlns:a16="http://schemas.microsoft.com/office/drawing/2014/main" id="{93EA779D-BC1E-4CCC-9EFC-9FF053CA3061}"/>
+              </a:ext>
+            </a:extLst>
+          </p:cNvPr>
+          <p:cNvSpPr txBox="1"/>
+          <p:nvPr/>
+        </p:nvSpPr>
+        <p:spPr>
+          <a:xfrm>
+            <a:off x="1324207" y="1701391"/>
+            <a:ext cx="492443" cy="1305986"/>
+          </a:xfrm>
+          <a:prstGeom prst="rect">
+            <a:avLst/>
+          </a:prstGeom>
+          <a:noFill/>
+          <a:ln w="0">
+            <a:noFill/>
+          </a:ln>
+        </p:spPr>
+        <p:txBody>
+          <a:bodyPr vert="eaVert" wrap="square" rtlCol="0">
+            <a:spAutoFit/>
+          </a:bodyPr>
+          <a:lstStyle/>
+          <a:p>
+            <a:pPr algn="dist"/>
+            <a:r>
+              <a:rPr lang="zh-CN" altLang="en-US" sz="2000" b="1" dirty="0">
+                <a:ln w="3175" cap="rnd">
+                  <a:noFill/>
+                </a:ln>
+                <a:latin typeface="宋体" panose="02010600030101010101" pitchFamily="2" charset="-122"/>
+                <a:ea typeface="宋体" panose="02010600030101010101" pitchFamily="2" charset="-122"/>
+              </a:rPr>
+              <a:t>全连接层</a:t>
+            </a:r>
+          </a:p>
+        </p:txBody>
+      </p:sp>
+      <p:sp>
+        <p:nvSpPr>
+          <p:cNvPr id="45" name="文本框 44">
+            <a:extLst>
+              <a:ext uri="{FF2B5EF4-FFF2-40B4-BE49-F238E27FC236}">
+                <a16:creationId xmlns:a16="http://schemas.microsoft.com/office/drawing/2014/main" id="{002401EA-BAEB-4CC7-BC4D-B97C323AAD60}"/>
+              </a:ext>
+            </a:extLst>
+          </p:cNvPr>
+          <p:cNvSpPr txBox="1"/>
+          <p:nvPr/>
+        </p:nvSpPr>
+        <p:spPr>
+          <a:xfrm>
+            <a:off x="1241585" y="3057914"/>
+            <a:ext cx="813529" cy="369332"/>
+          </a:xfrm>
+          <a:prstGeom prst="rect">
+            <a:avLst/>
+          </a:prstGeom>
+          <a:noFill/>
+          <a:ln w="0">
+            <a:noFill/>
+          </a:ln>
+        </p:spPr>
+        <p:txBody>
+          <a:bodyPr vert="horz" wrap="square" rtlCol="0">
+            <a:spAutoFit/>
+          </a:bodyPr>
+          <a:lstStyle/>
+          <a:p>
+            <a:r>
+              <a:rPr lang="en-US" altLang="zh-CN" b="1" dirty="0">
+                <a:ln w="3175" cap="rnd">
+                  <a:noFill/>
+                </a:ln>
+                <a:latin typeface="Times New Roman" panose="02020603050405020304" pitchFamily="18" charset="0"/>
+                <a:ea typeface="宋体" panose="02010600030101010101" pitchFamily="2" charset="-122"/>
+                <a:cs typeface="Times New Roman" panose="02020603050405020304" pitchFamily="18" charset="0"/>
+              </a:rPr>
+              <a:t>MLP</a:t>
+            </a:r>
+            <a:endParaRPr lang="zh-CN" altLang="en-US" b="1" dirty="0">
+              <a:ln w="3175" cap="rnd">
+                <a:noFill/>
+              </a:ln>
+              <a:latin typeface="Times New Roman" panose="02020603050405020304" pitchFamily="18" charset="0"/>
+              <a:ea typeface="宋体" panose="02010600030101010101" pitchFamily="2" charset="-122"/>
+              <a:cs typeface="Times New Roman" panose="02020603050405020304" pitchFamily="18" charset="0"/>
+            </a:endParaRPr>
+          </a:p>
+        </p:txBody>
+      </p:sp>
+      <p:sp>
+        <p:nvSpPr>
+          <p:cNvPr id="3" name="椭圆 2">
+            <a:extLst>
+              <a:ext uri="{FF2B5EF4-FFF2-40B4-BE49-F238E27FC236}">
+                <a16:creationId xmlns:a16="http://schemas.microsoft.com/office/drawing/2014/main" id="{676B6421-B93D-439B-B911-A0E7B38A961D}"/>
+              </a:ext>
+            </a:extLst>
+          </p:cNvPr>
+          <p:cNvSpPr/>
+          <p:nvPr/>
+        </p:nvSpPr>
+        <p:spPr>
+          <a:xfrm>
+            <a:off x="5501038" y="2579173"/>
+            <a:ext cx="68253" cy="68253"/>
+          </a:xfrm>
+          <a:prstGeom prst="ellipse">
+            <a:avLst/>
+          </a:prstGeom>
+          <a:solidFill>
+            <a:schemeClr val="accent2">
+              <a:lumMod val="20000"/>
+              <a:lumOff val="80000"/>
+            </a:schemeClr>
+          </a:solidFill>
+          <a:ln w="19050" cap="rnd">
+            <a:solidFill>
+              <a:srgbClr val="C55A11"/>
+            </a:solidFill>
+            <a:bevel/>
+          </a:ln>
+          <a:effectLst/>
+        </p:spPr>
+        <p:style>
+          <a:lnRef idx="2">
+            <a:schemeClr val="accent1">
+              <a:shade val="50000"/>
+            </a:schemeClr>
+          </a:lnRef>
+          <a:fillRef idx="1">
+            <a:schemeClr val="accent1"/>
+          </a:fillRef>
+          <a:effectRef idx="0">
+            <a:schemeClr val="accent1"/>
+          </a:effectRef>
+          <a:fontRef idx="minor">
+            <a:schemeClr val="lt1"/>
+          </a:fontRef>
+        </p:style>
+        <p:txBody>
+          <a:bodyPr rtlCol="0" anchor="ctr"/>
+          <a:lstStyle/>
+          <a:p>
+            <a:pPr algn="ctr"/>
+            <a:endParaRPr lang="zh-CN" altLang="en-US">
+              <a:effectLst>
+                <a:outerShdw blurRad="50800" dist="38100" dir="5400000" algn="t" rotWithShape="0">
+                  <a:prstClr val="black">
+                    <a:alpha val="40000"/>
+                  </a:prstClr>
+                </a:outerShdw>
+              </a:effectLst>
+            </a:endParaRPr>
+          </a:p>
+        </p:txBody>
+      </p:sp>
+      <p:sp>
+        <p:nvSpPr>
+          <p:cNvPr id="71" name="箭头: 下 70">
+            <a:extLst>
+              <a:ext uri="{FF2B5EF4-FFF2-40B4-BE49-F238E27FC236}">
+                <a16:creationId xmlns:a16="http://schemas.microsoft.com/office/drawing/2014/main" id="{11A19037-4D68-41B5-83E7-DD348C1D6DAC}"/>
+              </a:ext>
+            </a:extLst>
+          </p:cNvPr>
+          <p:cNvSpPr/>
+          <p:nvPr/>
+        </p:nvSpPr>
+        <p:spPr>
+          <a:xfrm rot="16200000">
+            <a:off x="6045760" y="2396301"/>
+            <a:ext cx="282681" cy="406988"/>
+          </a:xfrm>
+          <a:prstGeom prst="downArrow">
+            <a:avLst>
+              <a:gd name="adj1" fmla="val 42138"/>
+              <a:gd name="adj2" fmla="val 50000"/>
+            </a:avLst>
+          </a:prstGeom>
+          <a:solidFill>
+            <a:schemeClr val="accent2">
+              <a:lumMod val="20000"/>
+              <a:lumOff val="80000"/>
+            </a:schemeClr>
+          </a:solidFill>
+          <a:ln w="19050" cap="rnd">
+            <a:solidFill>
+              <a:srgbClr val="C55A11"/>
+            </a:solidFill>
+            <a:bevel/>
+          </a:ln>
+          <a:effectLst>
+            <a:outerShdw blurRad="50800" dist="38100" dir="8100000" algn="tr" rotWithShape="0">
+              <a:prstClr val="black">
+                <a:alpha val="40000"/>
+              </a:prstClr>
+            </a:outerShdw>
+          </a:effectLst>
+        </p:spPr>
+        <p:style>
+          <a:lnRef idx="2">
+            <a:schemeClr val="accent1">
+              <a:shade val="50000"/>
+            </a:schemeClr>
+          </a:lnRef>
+          <a:fillRef idx="1">
+            <a:schemeClr val="accent1"/>
+          </a:fillRef>
+          <a:effectRef idx="0">
+            <a:schemeClr val="accent1"/>
+          </a:effectRef>
+          <a:fontRef idx="minor">
+            <a:schemeClr val="lt1"/>
+          </a:fontRef>
+        </p:style>
+        <p:txBody>
+          <a:bodyPr rtlCol="0" anchor="ctr"/>
+          <a:lstStyle/>
+          <a:p>
+            <a:pPr algn="ctr"/>
+            <a:endParaRPr lang="zh-CN" altLang="en-US" dirty="0">
+              <a:effectLst>
+                <a:outerShdw blurRad="50800" dist="38100" dir="5400000" algn="t" rotWithShape="0">
+                  <a:prstClr val="black">
+                    <a:alpha val="40000"/>
+                  </a:prstClr>
+                </a:outerShdw>
+              </a:effectLst>
+            </a:endParaRPr>
+          </a:p>
+        </p:txBody>
+      </p:sp>
+      <p:sp>
+        <p:nvSpPr>
+          <p:cNvPr id="72" name="椭圆 71">
+            <a:extLst>
+              <a:ext uri="{FF2B5EF4-FFF2-40B4-BE49-F238E27FC236}">
+                <a16:creationId xmlns:a16="http://schemas.microsoft.com/office/drawing/2014/main" id="{7A9708FB-8130-4456-9398-A29BB8BC328C}"/>
+              </a:ext>
+            </a:extLst>
+          </p:cNvPr>
+          <p:cNvSpPr/>
+          <p:nvPr/>
+        </p:nvSpPr>
+        <p:spPr>
+          <a:xfrm>
+            <a:off x="5806152" y="2579172"/>
+            <a:ext cx="68253" cy="68253"/>
+          </a:xfrm>
+          <a:prstGeom prst="ellipse">
+            <a:avLst/>
+          </a:prstGeom>
+          <a:solidFill>
+            <a:schemeClr val="accent2">
+              <a:lumMod val="20000"/>
+              <a:lumOff val="80000"/>
+            </a:schemeClr>
+          </a:solidFill>
+          <a:ln w="19050" cap="rnd">
+            <a:solidFill>
+              <a:srgbClr val="C55A11"/>
+            </a:solidFill>
+            <a:bevel/>
+          </a:ln>
+          <a:effectLst/>
+        </p:spPr>
+        <p:style>
+          <a:lnRef idx="2">
+            <a:schemeClr val="accent1">
+              <a:shade val="50000"/>
+            </a:schemeClr>
+          </a:lnRef>
+          <a:fillRef idx="1">
+            <a:schemeClr val="accent1"/>
+          </a:fillRef>
+          <a:effectRef idx="0">
+            <a:schemeClr val="accent1"/>
+          </a:effectRef>
+          <a:fontRef idx="minor">
+            <a:schemeClr val="lt1"/>
+          </a:fontRef>
+        </p:style>
+        <p:txBody>
+          <a:bodyPr rtlCol="0" anchor="ctr"/>
+          <a:lstStyle/>
+          <a:p>
+            <a:pPr algn="ctr"/>
+            <a:endParaRPr lang="zh-CN" altLang="en-US">
+              <a:effectLst>
+                <a:outerShdw blurRad="50800" dist="38100" dir="5400000" algn="t" rotWithShape="0">
+                  <a:prstClr val="black">
+                    <a:alpha val="40000"/>
+                  </a:prstClr>
+                </a:outerShdw>
+              </a:effectLst>
+            </a:endParaRPr>
+          </a:p>
+        </p:txBody>
+      </p:sp>
+      <p:sp>
+        <p:nvSpPr>
+          <p:cNvPr id="73" name="椭圆 72">
+            <a:extLst>
+              <a:ext uri="{FF2B5EF4-FFF2-40B4-BE49-F238E27FC236}">
+                <a16:creationId xmlns:a16="http://schemas.microsoft.com/office/drawing/2014/main" id="{803170FA-5E7E-4246-987B-C6FAEB864A43}"/>
+              </a:ext>
+            </a:extLst>
+          </p:cNvPr>
+          <p:cNvSpPr/>
+          <p:nvPr/>
+        </p:nvSpPr>
+        <p:spPr>
+          <a:xfrm>
+            <a:off x="5651658" y="2579172"/>
+            <a:ext cx="68253" cy="68253"/>
+          </a:xfrm>
+          <a:prstGeom prst="ellipse">
+            <a:avLst/>
+          </a:prstGeom>
+          <a:solidFill>
+            <a:schemeClr val="accent2">
+              <a:lumMod val="20000"/>
+              <a:lumOff val="80000"/>
+            </a:schemeClr>
+          </a:solidFill>
+          <a:ln w="19050" cap="rnd">
+            <a:solidFill>
+              <a:srgbClr val="C55A11"/>
+            </a:solidFill>
+            <a:bevel/>
+          </a:ln>
+          <a:effectLst/>
+        </p:spPr>
+        <p:style>
+          <a:lnRef idx="2">
+            <a:schemeClr val="accent1">
+              <a:shade val="50000"/>
+            </a:schemeClr>
+          </a:lnRef>
+          <a:fillRef idx="1">
+            <a:schemeClr val="accent1"/>
+          </a:fillRef>
+          <a:effectRef idx="0">
+            <a:schemeClr val="accent1"/>
+          </a:effectRef>
+          <a:fontRef idx="minor">
+            <a:schemeClr val="lt1"/>
+          </a:fontRef>
+        </p:style>
+        <p:txBody>
+          <a:bodyPr rtlCol="0" anchor="ctr"/>
+          <a:lstStyle/>
+          <a:p>
+            <a:pPr algn="ctr"/>
+            <a:endParaRPr lang="zh-CN" altLang="en-US">
+              <a:effectLst>
+                <a:outerShdw blurRad="50800" dist="38100" dir="5400000" algn="t" rotWithShape="0">
+                  <a:prstClr val="black">
+                    <a:alpha val="40000"/>
+                  </a:prstClr>
+                </a:outerShdw>
+              </a:effectLst>
+            </a:endParaRPr>
+          </a:p>
+        </p:txBody>
+      </p:sp>
+    </p:spTree>
+    <p:extLst>
+      <p:ext uri="{BB962C8B-B14F-4D97-AF65-F5344CB8AC3E}">
+        <p14:creationId xmlns:p14="http://schemas.microsoft.com/office/powerpoint/2010/main" val="729935646"/>
       </p:ext>
     </p:extLst>
   </p:cSld>

--- a/演示文稿1.pptx
+++ b/演示文稿1.pptx
@@ -14047,173 +14047,10 @@
       </p:grpSpPr>
       <p:sp>
         <p:nvSpPr>
-          <p:cNvPr id="78" name="矩形 77">
+          <p:cNvPr id="4" name="箭头: 下 3">
             <a:extLst>
               <a:ext uri="{FF2B5EF4-FFF2-40B4-BE49-F238E27FC236}">
-                <a16:creationId xmlns:a16="http://schemas.microsoft.com/office/drawing/2014/main" id="{253DBEF6-7FF9-4948-B413-BC3C64EC6F52}"/>
-              </a:ext>
-            </a:extLst>
-          </p:cNvPr>
-          <p:cNvSpPr/>
-          <p:nvPr/>
-        </p:nvSpPr>
-        <p:spPr>
-          <a:xfrm>
-            <a:off x="7428508" y="1474709"/>
-            <a:ext cx="575706" cy="2178275"/>
-          </a:xfrm>
-          <a:prstGeom prst="rect">
-            <a:avLst/>
-          </a:prstGeom>
-          <a:solidFill>
-            <a:srgbClr val="59C1D9">
-              <a:alpha val="80000"/>
-            </a:srgbClr>
-          </a:solidFill>
-          <a:ln w="22225">
-            <a:solidFill>
-              <a:schemeClr val="bg2">
-                <a:lumMod val="90000"/>
-              </a:schemeClr>
-            </a:solidFill>
-          </a:ln>
-          <a:effectLst>
-            <a:outerShdw blurRad="50800" dist="38100" dir="8100000" algn="tr" rotWithShape="0">
-              <a:prstClr val="black">
-                <a:alpha val="40000"/>
-              </a:prstClr>
-            </a:outerShdw>
-          </a:effectLst>
-        </p:spPr>
-        <p:style>
-          <a:lnRef idx="2">
-            <a:schemeClr val="accent1">
-              <a:shade val="50000"/>
-            </a:schemeClr>
-          </a:lnRef>
-          <a:fillRef idx="1">
-            <a:schemeClr val="accent1"/>
-          </a:fillRef>
-          <a:effectRef idx="0">
-            <a:schemeClr val="accent1"/>
-          </a:effectRef>
-          <a:fontRef idx="minor">
-            <a:schemeClr val="lt1"/>
-          </a:fontRef>
-        </p:style>
-        <p:txBody>
-          <a:bodyPr rtlCol="0" anchor="ctr"/>
-          <a:lstStyle/>
-          <a:p>
-            <a:pPr algn="ctr"/>
-            <a:endParaRPr lang="zh-CN" altLang="en-US" dirty="0"/>
-          </a:p>
-        </p:txBody>
-      </p:sp>
-      <p:sp>
-        <p:nvSpPr>
-          <p:cNvPr id="79" name="文本框 78">
-            <a:extLst>
-              <a:ext uri="{FF2B5EF4-FFF2-40B4-BE49-F238E27FC236}">
-                <a16:creationId xmlns:a16="http://schemas.microsoft.com/office/drawing/2014/main" id="{83E362C6-01EB-4B9B-BF24-C2F9B99EBB57}"/>
-              </a:ext>
-            </a:extLst>
-          </p:cNvPr>
-          <p:cNvSpPr txBox="1"/>
-          <p:nvPr/>
-        </p:nvSpPr>
-        <p:spPr>
-          <a:xfrm>
-            <a:off x="7469286" y="1701390"/>
-            <a:ext cx="492443" cy="1305986"/>
-          </a:xfrm>
-          <a:prstGeom prst="rect">
-            <a:avLst/>
-          </a:prstGeom>
-          <a:noFill/>
-          <a:ln w="0">
-            <a:noFill/>
-          </a:ln>
-        </p:spPr>
-        <p:txBody>
-          <a:bodyPr vert="eaVert" wrap="square" rtlCol="0">
-            <a:spAutoFit/>
-          </a:bodyPr>
-          <a:lstStyle/>
-          <a:p>
-            <a:pPr algn="dist"/>
-            <a:r>
-              <a:rPr lang="zh-CN" altLang="en-US" sz="2000" b="1" dirty="0">
-                <a:ln w="3175" cap="rnd">
-                  <a:noFill/>
-                </a:ln>
-                <a:latin typeface="宋体" panose="02010600030101010101" pitchFamily="2" charset="-122"/>
-                <a:ea typeface="宋体" panose="02010600030101010101" pitchFamily="2" charset="-122"/>
-              </a:rPr>
-              <a:t>全连接层</a:t>
-            </a:r>
-          </a:p>
-        </p:txBody>
-      </p:sp>
-      <p:sp>
-        <p:nvSpPr>
-          <p:cNvPr id="80" name="文本框 79">
-            <a:extLst>
-              <a:ext uri="{FF2B5EF4-FFF2-40B4-BE49-F238E27FC236}">
-                <a16:creationId xmlns:a16="http://schemas.microsoft.com/office/drawing/2014/main" id="{757B7AD1-B373-40AD-84CF-2DE148EB80B0}"/>
-              </a:ext>
-            </a:extLst>
-          </p:cNvPr>
-          <p:cNvSpPr txBox="1"/>
-          <p:nvPr/>
-        </p:nvSpPr>
-        <p:spPr>
-          <a:xfrm>
-            <a:off x="7386664" y="3057913"/>
-            <a:ext cx="813529" cy="369332"/>
-          </a:xfrm>
-          <a:prstGeom prst="rect">
-            <a:avLst/>
-          </a:prstGeom>
-          <a:noFill/>
-          <a:ln w="0">
-            <a:noFill/>
-          </a:ln>
-        </p:spPr>
-        <p:txBody>
-          <a:bodyPr vert="horz" wrap="square" rtlCol="0">
-            <a:spAutoFit/>
-          </a:bodyPr>
-          <a:lstStyle/>
-          <a:p>
-            <a:r>
-              <a:rPr lang="en-US" altLang="zh-CN" b="1" dirty="0">
-                <a:ln w="3175" cap="rnd">
-                  <a:noFill/>
-                </a:ln>
-                <a:latin typeface="Times New Roman" panose="02020603050405020304" pitchFamily="18" charset="0"/>
-                <a:ea typeface="宋体" panose="02010600030101010101" pitchFamily="2" charset="-122"/>
-                <a:cs typeface="Times New Roman" panose="02020603050405020304" pitchFamily="18" charset="0"/>
-              </a:rPr>
-              <a:t>MLP</a:t>
-            </a:r>
-            <a:endParaRPr lang="zh-CN" altLang="en-US" b="1" dirty="0">
-              <a:ln w="3175" cap="rnd">
-                <a:noFill/>
-              </a:ln>
-              <a:latin typeface="Times New Roman" panose="02020603050405020304" pitchFamily="18" charset="0"/>
-              <a:ea typeface="宋体" panose="02010600030101010101" pitchFamily="2" charset="-122"/>
-              <a:cs typeface="Times New Roman" panose="02020603050405020304" pitchFamily="18" charset="0"/>
-            </a:endParaRPr>
-          </a:p>
-        </p:txBody>
-      </p:sp>
-      <p:sp>
-        <p:nvSpPr>
-          <p:cNvPr id="75" name="箭头: 下 74">
-            <a:extLst>
-              <a:ext uri="{FF2B5EF4-FFF2-40B4-BE49-F238E27FC236}">
-                <a16:creationId xmlns:a16="http://schemas.microsoft.com/office/drawing/2014/main" id="{FB004015-E88F-46E5-9D3E-2F086D0176F7}"/>
+                <a16:creationId xmlns:a16="http://schemas.microsoft.com/office/drawing/2014/main" id="{DAB1CFAD-B80E-F956-7E5F-9796E44F12DD}"/>
               </a:ext>
             </a:extLst>
           </p:cNvPr>
@@ -14222,7 +14059,7 @@
         </p:nvSpPr>
         <p:spPr>
           <a:xfrm rot="16200000">
-            <a:off x="7138578" y="2311941"/>
+            <a:off x="9218450" y="2476044"/>
             <a:ext cx="282681" cy="575708"/>
           </a:xfrm>
           <a:prstGeom prst="downArrow">
@@ -14286,6 +14123,245 @@
       </p:sp>
       <p:sp>
         <p:nvSpPr>
+          <p:cNvPr id="78" name="矩形 77">
+            <a:extLst>
+              <a:ext uri="{FF2B5EF4-FFF2-40B4-BE49-F238E27FC236}">
+                <a16:creationId xmlns:a16="http://schemas.microsoft.com/office/drawing/2014/main" id="{253DBEF6-7FF9-4948-B413-BC3C64EC6F52}"/>
+              </a:ext>
+            </a:extLst>
+          </p:cNvPr>
+          <p:cNvSpPr/>
+          <p:nvPr/>
+        </p:nvSpPr>
+        <p:spPr>
+          <a:xfrm>
+            <a:off x="8544927" y="1638812"/>
+            <a:ext cx="575706" cy="2178275"/>
+          </a:xfrm>
+          <a:prstGeom prst="rect">
+            <a:avLst/>
+          </a:prstGeom>
+          <a:solidFill>
+            <a:srgbClr val="59C1D9">
+              <a:alpha val="80000"/>
+            </a:srgbClr>
+          </a:solidFill>
+          <a:ln w="22225">
+            <a:solidFill>
+              <a:schemeClr val="bg2">
+                <a:lumMod val="90000"/>
+              </a:schemeClr>
+            </a:solidFill>
+          </a:ln>
+          <a:effectLst>
+            <a:outerShdw blurRad="50800" dist="38100" dir="8100000" algn="tr" rotWithShape="0">
+              <a:prstClr val="black">
+                <a:alpha val="40000"/>
+              </a:prstClr>
+            </a:outerShdw>
+          </a:effectLst>
+        </p:spPr>
+        <p:style>
+          <a:lnRef idx="2">
+            <a:schemeClr val="accent1">
+              <a:shade val="50000"/>
+            </a:schemeClr>
+          </a:lnRef>
+          <a:fillRef idx="1">
+            <a:schemeClr val="accent1"/>
+          </a:fillRef>
+          <a:effectRef idx="0">
+            <a:schemeClr val="accent1"/>
+          </a:effectRef>
+          <a:fontRef idx="minor">
+            <a:schemeClr val="lt1"/>
+          </a:fontRef>
+        </p:style>
+        <p:txBody>
+          <a:bodyPr rtlCol="0" anchor="ctr"/>
+          <a:lstStyle/>
+          <a:p>
+            <a:pPr algn="ctr"/>
+            <a:endParaRPr lang="zh-CN" altLang="en-US" dirty="0"/>
+          </a:p>
+        </p:txBody>
+      </p:sp>
+      <p:sp>
+        <p:nvSpPr>
+          <p:cNvPr id="79" name="文本框 78">
+            <a:extLst>
+              <a:ext uri="{FF2B5EF4-FFF2-40B4-BE49-F238E27FC236}">
+                <a16:creationId xmlns:a16="http://schemas.microsoft.com/office/drawing/2014/main" id="{83E362C6-01EB-4B9B-BF24-C2F9B99EBB57}"/>
+              </a:ext>
+            </a:extLst>
+          </p:cNvPr>
+          <p:cNvSpPr txBox="1"/>
+          <p:nvPr/>
+        </p:nvSpPr>
+        <p:spPr>
+          <a:xfrm>
+            <a:off x="8585706" y="1865493"/>
+            <a:ext cx="492443" cy="1305986"/>
+          </a:xfrm>
+          <a:prstGeom prst="rect">
+            <a:avLst/>
+          </a:prstGeom>
+          <a:noFill/>
+          <a:ln w="0">
+            <a:noFill/>
+          </a:ln>
+        </p:spPr>
+        <p:txBody>
+          <a:bodyPr vert="eaVert" wrap="square" rtlCol="0">
+            <a:spAutoFit/>
+          </a:bodyPr>
+          <a:lstStyle/>
+          <a:p>
+            <a:pPr algn="dist"/>
+            <a:r>
+              <a:rPr lang="zh-CN" altLang="en-US" sz="2000" b="1" dirty="0">
+                <a:ln w="3175" cap="rnd">
+                  <a:noFill/>
+                </a:ln>
+                <a:latin typeface="宋体" panose="02010600030101010101" pitchFamily="2" charset="-122"/>
+                <a:ea typeface="宋体" panose="02010600030101010101" pitchFamily="2" charset="-122"/>
+              </a:rPr>
+              <a:t>全连接层</a:t>
+            </a:r>
+          </a:p>
+        </p:txBody>
+      </p:sp>
+      <p:sp>
+        <p:nvSpPr>
+          <p:cNvPr id="80" name="文本框 79">
+            <a:extLst>
+              <a:ext uri="{FF2B5EF4-FFF2-40B4-BE49-F238E27FC236}">
+                <a16:creationId xmlns:a16="http://schemas.microsoft.com/office/drawing/2014/main" id="{757B7AD1-B373-40AD-84CF-2DE148EB80B0}"/>
+              </a:ext>
+            </a:extLst>
+          </p:cNvPr>
+          <p:cNvSpPr txBox="1"/>
+          <p:nvPr/>
+        </p:nvSpPr>
+        <p:spPr>
+          <a:xfrm>
+            <a:off x="8503083" y="3222016"/>
+            <a:ext cx="813529" cy="369332"/>
+          </a:xfrm>
+          <a:prstGeom prst="rect">
+            <a:avLst/>
+          </a:prstGeom>
+          <a:noFill/>
+          <a:ln w="0">
+            <a:noFill/>
+          </a:ln>
+        </p:spPr>
+        <p:txBody>
+          <a:bodyPr vert="horz" wrap="square" rtlCol="0">
+            <a:spAutoFit/>
+          </a:bodyPr>
+          <a:lstStyle/>
+          <a:p>
+            <a:r>
+              <a:rPr lang="en-US" altLang="zh-CN" b="1" dirty="0">
+                <a:ln w="3175" cap="rnd">
+                  <a:noFill/>
+                </a:ln>
+                <a:latin typeface="Times New Roman" panose="02020603050405020304" pitchFamily="18" charset="0"/>
+                <a:ea typeface="宋体" panose="02010600030101010101" pitchFamily="2" charset="-122"/>
+                <a:cs typeface="Times New Roman" panose="02020603050405020304" pitchFamily="18" charset="0"/>
+              </a:rPr>
+              <a:t>MLP</a:t>
+            </a:r>
+            <a:endParaRPr lang="zh-CN" altLang="en-US" b="1" dirty="0">
+              <a:ln w="3175" cap="rnd">
+                <a:noFill/>
+              </a:ln>
+              <a:latin typeface="Times New Roman" panose="02020603050405020304" pitchFamily="18" charset="0"/>
+              <a:ea typeface="宋体" panose="02010600030101010101" pitchFamily="2" charset="-122"/>
+              <a:cs typeface="Times New Roman" panose="02020603050405020304" pitchFamily="18" charset="0"/>
+            </a:endParaRPr>
+          </a:p>
+        </p:txBody>
+      </p:sp>
+      <p:sp>
+        <p:nvSpPr>
+          <p:cNvPr id="75" name="箭头: 下 74">
+            <a:extLst>
+              <a:ext uri="{FF2B5EF4-FFF2-40B4-BE49-F238E27FC236}">
+                <a16:creationId xmlns:a16="http://schemas.microsoft.com/office/drawing/2014/main" id="{FB004015-E88F-46E5-9D3E-2F086D0176F7}"/>
+              </a:ext>
+            </a:extLst>
+          </p:cNvPr>
+          <p:cNvSpPr/>
+          <p:nvPr/>
+        </p:nvSpPr>
+        <p:spPr>
+          <a:xfrm rot="16200000">
+            <a:off x="8254997" y="2476044"/>
+            <a:ext cx="282681" cy="575708"/>
+          </a:xfrm>
+          <a:prstGeom prst="downArrow">
+            <a:avLst>
+              <a:gd name="adj1" fmla="val 42138"/>
+              <a:gd name="adj2" fmla="val 50000"/>
+            </a:avLst>
+          </a:prstGeom>
+          <a:solidFill>
+            <a:schemeClr val="accent2">
+              <a:lumMod val="20000"/>
+              <a:lumOff val="80000"/>
+            </a:schemeClr>
+          </a:solidFill>
+          <a:ln w="19050" cap="rnd">
+            <a:solidFill>
+              <a:srgbClr val="C55A11"/>
+            </a:solidFill>
+            <a:bevel/>
+          </a:ln>
+          <a:effectLst>
+            <a:outerShdw blurRad="50800" dist="38100" dir="8100000" algn="tr" rotWithShape="0">
+              <a:prstClr val="black">
+                <a:alpha val="40000"/>
+              </a:prstClr>
+            </a:outerShdw>
+          </a:effectLst>
+        </p:spPr>
+        <p:style>
+          <a:lnRef idx="2">
+            <a:schemeClr val="accent1">
+              <a:shade val="50000"/>
+            </a:schemeClr>
+          </a:lnRef>
+          <a:fillRef idx="1">
+            <a:schemeClr val="accent1"/>
+          </a:fillRef>
+          <a:effectRef idx="0">
+            <a:schemeClr val="accent1"/>
+          </a:effectRef>
+          <a:fontRef idx="minor">
+            <a:schemeClr val="lt1"/>
+          </a:fontRef>
+        </p:style>
+        <p:txBody>
+          <a:bodyPr rtlCol="0" anchor="ctr"/>
+          <a:lstStyle/>
+          <a:p>
+            <a:pPr algn="ctr"/>
+            <a:endParaRPr lang="zh-CN" altLang="en-US" dirty="0">
+              <a:effectLst>
+                <a:outerShdw blurRad="50800" dist="38100" dir="5400000" algn="t" rotWithShape="0">
+                  <a:prstClr val="black">
+                    <a:alpha val="40000"/>
+                  </a:prstClr>
+                </a:outerShdw>
+              </a:effectLst>
+            </a:endParaRPr>
+          </a:p>
+        </p:txBody>
+      </p:sp>
+      <p:sp>
+        <p:nvSpPr>
           <p:cNvPr id="65" name="箭头: 下 64">
             <a:extLst>
               <a:ext uri="{FF2B5EF4-FFF2-40B4-BE49-F238E27FC236}">
@@ -14298,7 +14374,7 @@
         </p:nvSpPr>
         <p:spPr>
           <a:xfrm rot="16200000">
-            <a:off x="5063206" y="2396836"/>
+            <a:off x="6179625" y="2560939"/>
             <a:ext cx="282681" cy="406988"/>
           </a:xfrm>
           <a:prstGeom prst="downArrow">
@@ -14374,7 +14450,7 @@
         </p:nvSpPr>
         <p:spPr>
           <a:xfrm>
-            <a:off x="4218036" y="1648672"/>
+            <a:off x="5334455" y="1812775"/>
             <a:ext cx="876247" cy="1830348"/>
           </a:xfrm>
           <a:prstGeom prst="rect">
@@ -14439,7 +14515,7 @@
         </p:nvSpPr>
         <p:spPr>
           <a:xfrm rot="16200000">
-            <a:off x="3950826" y="2312476"/>
+            <a:off x="5067245" y="2476579"/>
             <a:ext cx="282681" cy="575708"/>
           </a:xfrm>
           <a:prstGeom prst="downArrow">
@@ -14515,7 +14591,7 @@
         </p:nvSpPr>
         <p:spPr>
           <a:xfrm>
-            <a:off x="3032609" y="1648672"/>
+            <a:off x="4149028" y="1812775"/>
             <a:ext cx="876247" cy="1830348"/>
           </a:xfrm>
           <a:prstGeom prst="rect">
@@ -14580,7 +14656,7 @@
         </p:nvSpPr>
         <p:spPr>
           <a:xfrm>
-            <a:off x="6244332" y="1648672"/>
+            <a:off x="7360751" y="1812775"/>
             <a:ext cx="876247" cy="1830348"/>
           </a:xfrm>
           <a:prstGeom prst="rect">
@@ -14645,7 +14721,7 @@
         </p:nvSpPr>
         <p:spPr>
           <a:xfrm rot="16200000">
-            <a:off x="2754086" y="2315243"/>
+            <a:off x="3870505" y="2479346"/>
             <a:ext cx="282681" cy="575708"/>
           </a:xfrm>
           <a:prstGeom prst="downArrow">
@@ -14721,7 +14797,7 @@
         </p:nvSpPr>
         <p:spPr>
           <a:xfrm>
-            <a:off x="2147724" y="1474709"/>
+            <a:off x="3264143" y="1638812"/>
             <a:ext cx="575706" cy="2178275"/>
           </a:xfrm>
           <a:prstGeom prst="rect">
@@ -14786,7 +14862,7 @@
         </p:nvSpPr>
         <p:spPr>
           <a:xfrm>
-            <a:off x="2189355" y="1660727"/>
+            <a:off x="3305775" y="1824830"/>
             <a:ext cx="492443" cy="1358705"/>
           </a:xfrm>
           <a:prstGeom prst="rect">
@@ -14798,7 +14874,7 @@
           </a:ln>
         </p:spPr>
         <p:txBody>
-          <a:bodyPr vert="eaVert" wrap="none" rtlCol="0">
+          <a:bodyPr vert="eaVert" wrap="square" rtlCol="0">
             <a:spAutoFit/>
           </a:bodyPr>
           <a:lstStyle/>
@@ -14830,7 +14906,7 @@
         </p:nvSpPr>
         <p:spPr>
           <a:xfrm>
-            <a:off x="2054189" y="3064560"/>
+            <a:off x="3170608" y="3228663"/>
             <a:ext cx="1060825" cy="369332"/>
           </a:xfrm>
           <a:prstGeom prst="rect">
@@ -14886,7 +14962,7 @@
         </p:nvSpPr>
         <p:spPr>
           <a:xfrm rot="16200000">
-            <a:off x="1861985" y="2304464"/>
+            <a:off x="2978404" y="2468567"/>
             <a:ext cx="282681" cy="575708"/>
           </a:xfrm>
           <a:prstGeom prst="downArrow">
@@ -14962,7 +15038,7 @@
         </p:nvSpPr>
         <p:spPr>
           <a:xfrm>
-            <a:off x="1283429" y="1474710"/>
+            <a:off x="2399848" y="1638813"/>
             <a:ext cx="575706" cy="2178275"/>
           </a:xfrm>
           <a:prstGeom prst="rect">
@@ -15027,7 +15103,7 @@
         </p:nvSpPr>
         <p:spPr>
           <a:xfrm>
-            <a:off x="1324207" y="1701391"/>
+            <a:off x="2440627" y="1865494"/>
             <a:ext cx="492443" cy="1305986"/>
           </a:xfrm>
           <a:prstGeom prst="rect">
@@ -15072,7 +15148,7 @@
         </p:nvSpPr>
         <p:spPr>
           <a:xfrm>
-            <a:off x="1241585" y="3057914"/>
+            <a:off x="2358004" y="3222017"/>
             <a:ext cx="813529" cy="369332"/>
           </a:xfrm>
           <a:prstGeom prst="rect">
@@ -15125,7 +15201,7 @@
         </p:nvSpPr>
         <p:spPr>
           <a:xfrm>
-            <a:off x="5501038" y="2579173"/>
+            <a:off x="6617457" y="2743276"/>
             <a:ext cx="68253" cy="68253"/>
           </a:xfrm>
           <a:prstGeom prst="ellipse">
@@ -15192,7 +15268,7 @@
         </p:nvSpPr>
         <p:spPr>
           <a:xfrm rot="16200000">
-            <a:off x="6045760" y="2396301"/>
+            <a:off x="7162179" y="2560404"/>
             <a:ext cx="282681" cy="406988"/>
           </a:xfrm>
           <a:prstGeom prst="downArrow">
@@ -15268,7 +15344,7 @@
         </p:nvSpPr>
         <p:spPr>
           <a:xfrm>
-            <a:off x="5806152" y="2579172"/>
+            <a:off x="6922571" y="2743275"/>
             <a:ext cx="68253" cy="68253"/>
           </a:xfrm>
           <a:prstGeom prst="ellipse">
@@ -15335,7 +15411,7 @@
         </p:nvSpPr>
         <p:spPr>
           <a:xfrm>
-            <a:off x="5651658" y="2579172"/>
+            <a:off x="6768077" y="2743275"/>
             <a:ext cx="68253" cy="68253"/>
           </a:xfrm>
           <a:prstGeom prst="ellipse">
@@ -15388,6 +15464,842 @@
           </a:p>
         </p:txBody>
       </p:sp>
+      <p:sp>
+        <p:nvSpPr>
+          <p:cNvPr id="2" name="箭头: 下 1">
+            <a:extLst>
+              <a:ext uri="{FF2B5EF4-FFF2-40B4-BE49-F238E27FC236}">
+                <a16:creationId xmlns:a16="http://schemas.microsoft.com/office/drawing/2014/main" id="{44FF2FD9-D8B2-1777-0F34-101CF71A1730}"/>
+              </a:ext>
+            </a:extLst>
+          </p:cNvPr>
+          <p:cNvSpPr/>
+          <p:nvPr/>
+        </p:nvSpPr>
+        <p:spPr>
+          <a:xfrm rot="16200000">
+            <a:off x="2093516" y="2476043"/>
+            <a:ext cx="282681" cy="575708"/>
+          </a:xfrm>
+          <a:prstGeom prst="downArrow">
+            <a:avLst>
+              <a:gd name="adj1" fmla="val 42138"/>
+              <a:gd name="adj2" fmla="val 50000"/>
+            </a:avLst>
+          </a:prstGeom>
+          <a:solidFill>
+            <a:schemeClr val="accent2">
+              <a:lumMod val="20000"/>
+              <a:lumOff val="80000"/>
+            </a:schemeClr>
+          </a:solidFill>
+          <a:ln w="19050" cap="rnd">
+            <a:solidFill>
+              <a:srgbClr val="C55A11"/>
+            </a:solidFill>
+            <a:bevel/>
+          </a:ln>
+          <a:effectLst>
+            <a:outerShdw blurRad="50800" dist="38100" dir="8100000" algn="tr" rotWithShape="0">
+              <a:prstClr val="black">
+                <a:alpha val="40000"/>
+              </a:prstClr>
+            </a:outerShdw>
+          </a:effectLst>
+        </p:spPr>
+        <p:style>
+          <a:lnRef idx="2">
+            <a:schemeClr val="accent1">
+              <a:shade val="50000"/>
+            </a:schemeClr>
+          </a:lnRef>
+          <a:fillRef idx="1">
+            <a:schemeClr val="accent1"/>
+          </a:fillRef>
+          <a:effectRef idx="0">
+            <a:schemeClr val="accent1"/>
+          </a:effectRef>
+          <a:fontRef idx="minor">
+            <a:schemeClr val="lt1"/>
+          </a:fontRef>
+        </p:style>
+        <p:txBody>
+          <a:bodyPr rtlCol="0" anchor="ctr"/>
+          <a:lstStyle/>
+          <a:p>
+            <a:pPr algn="ctr"/>
+            <a:endParaRPr lang="zh-CN" altLang="en-US" dirty="0">
+              <a:effectLst>
+                <a:outerShdw blurRad="50800" dist="38100" dir="5400000" algn="t" rotWithShape="0">
+                  <a:prstClr val="black">
+                    <a:alpha val="40000"/>
+                  </a:prstClr>
+                </a:outerShdw>
+              </a:effectLst>
+            </a:endParaRPr>
+          </a:p>
+        </p:txBody>
+      </p:sp>
+      <p:sp>
+        <p:nvSpPr>
+          <p:cNvPr id="5" name="文本框 4">
+            <a:extLst>
+              <a:ext uri="{FF2B5EF4-FFF2-40B4-BE49-F238E27FC236}">
+                <a16:creationId xmlns:a16="http://schemas.microsoft.com/office/drawing/2014/main" id="{6250399F-1314-49CA-E3BF-7E30737DC82B}"/>
+              </a:ext>
+            </a:extLst>
+          </p:cNvPr>
+          <p:cNvSpPr txBox="1"/>
+          <p:nvPr/>
+        </p:nvSpPr>
+        <p:spPr>
+          <a:xfrm>
+            <a:off x="4238668" y="2061567"/>
+            <a:ext cx="757294" cy="1015663"/>
+          </a:xfrm>
+          <a:prstGeom prst="rect">
+            <a:avLst/>
+          </a:prstGeom>
+          <a:noFill/>
+        </p:spPr>
+        <p:txBody>
+          <a:bodyPr wrap="square" rtlCol="0">
+            <a:spAutoFit/>
+          </a:bodyPr>
+          <a:lstStyle/>
+          <a:p>
+            <a:r>
+              <a:rPr lang="zh-CN" altLang="en-US" sz="2000" b="1" dirty="0">
+                <a:latin typeface="宋体" panose="02010600030101010101" pitchFamily="2" charset="-122"/>
+                <a:ea typeface="宋体" panose="02010600030101010101" pitchFamily="2" charset="-122"/>
+              </a:rPr>
+              <a:t>残差网络模块</a:t>
+            </a:r>
+          </a:p>
+        </p:txBody>
+      </p:sp>
+      <p:grpSp>
+        <p:nvGrpSpPr>
+          <p:cNvPr id="9" name="组合 8">
+            <a:extLst>
+              <a:ext uri="{FF2B5EF4-FFF2-40B4-BE49-F238E27FC236}">
+                <a16:creationId xmlns:a16="http://schemas.microsoft.com/office/drawing/2014/main" id="{7A8C139E-6FAE-1408-C99E-EB61E98B3ACB}"/>
+              </a:ext>
+            </a:extLst>
+          </p:cNvPr>
+          <p:cNvGrpSpPr/>
+          <p:nvPr/>
+        </p:nvGrpSpPr>
+        <p:grpSpPr>
+          <a:xfrm>
+            <a:off x="4154926" y="2053504"/>
+            <a:ext cx="891591" cy="1487307"/>
+            <a:chOff x="4154926" y="2053504"/>
+            <a:chExt cx="891591" cy="1487307"/>
+          </a:xfrm>
+        </p:grpSpPr>
+        <p:sp>
+          <p:nvSpPr>
+            <p:cNvPr id="6" name="文本框 5">
+              <a:extLst>
+                <a:ext uri="{FF2B5EF4-FFF2-40B4-BE49-F238E27FC236}">
+                  <a16:creationId xmlns:a16="http://schemas.microsoft.com/office/drawing/2014/main" id="{845690E0-308E-6505-61AD-3A4609CF41E8}"/>
+                </a:ext>
+              </a:extLst>
+            </p:cNvPr>
+            <p:cNvSpPr txBox="1"/>
+            <p:nvPr/>
+          </p:nvSpPr>
+          <p:spPr>
+            <a:xfrm>
+              <a:off x="4154926" y="2976909"/>
+              <a:ext cx="891591" cy="369332"/>
+            </a:xfrm>
+            <a:prstGeom prst="rect">
+              <a:avLst/>
+            </a:prstGeom>
+            <a:noFill/>
+          </p:spPr>
+          <p:txBody>
+            <a:bodyPr wrap="none" rtlCol="0">
+              <a:spAutoFit/>
+            </a:bodyPr>
+            <a:lstStyle/>
+            <a:p>
+              <a:r>
+                <a:rPr lang="en-US" altLang="zh-CN" b="1" dirty="0" err="1">
+                  <a:latin typeface="Times New Roman" panose="02020603050405020304" pitchFamily="18" charset="0"/>
+                  <a:cs typeface="Times New Roman" panose="02020603050405020304" pitchFamily="18" charset="0"/>
+                </a:rPr>
+                <a:t>ResNet</a:t>
+              </a:r>
+              <a:endParaRPr lang="zh-CN" altLang="en-US" b="1" dirty="0">
+                <a:latin typeface="Times New Roman" panose="02020603050405020304" pitchFamily="18" charset="0"/>
+                <a:cs typeface="Times New Roman" panose="02020603050405020304" pitchFamily="18" charset="0"/>
+              </a:endParaRPr>
+            </a:p>
+          </p:txBody>
+        </p:sp>
+        <p:sp>
+          <p:nvSpPr>
+            <p:cNvPr id="7" name="文本框 6">
+              <a:extLst>
+                <a:ext uri="{FF2B5EF4-FFF2-40B4-BE49-F238E27FC236}">
+                  <a16:creationId xmlns:a16="http://schemas.microsoft.com/office/drawing/2014/main" id="{BFDC6D5E-6678-9F33-A555-E4CFF64B2BE3}"/>
+                </a:ext>
+              </a:extLst>
+            </p:cNvPr>
+            <p:cNvSpPr txBox="1"/>
+            <p:nvPr/>
+          </p:nvSpPr>
+          <p:spPr>
+            <a:xfrm>
+              <a:off x="4238668" y="3171479"/>
+              <a:ext cx="748923" cy="369332"/>
+            </a:xfrm>
+            <a:prstGeom prst="rect">
+              <a:avLst/>
+            </a:prstGeom>
+            <a:noFill/>
+          </p:spPr>
+          <p:txBody>
+            <a:bodyPr wrap="none" rtlCol="0">
+              <a:spAutoFit/>
+            </a:bodyPr>
+            <a:lstStyle/>
+            <a:p>
+              <a:r>
+                <a:rPr lang="en-US" altLang="zh-CN" b="1" dirty="0">
+                  <a:latin typeface="Times New Roman" panose="02020603050405020304" pitchFamily="18" charset="0"/>
+                  <a:cs typeface="Times New Roman" panose="02020603050405020304" pitchFamily="18" charset="0"/>
+                </a:rPr>
+                <a:t>Block</a:t>
+              </a:r>
+              <a:endParaRPr lang="zh-CN" altLang="en-US" b="1" dirty="0">
+                <a:latin typeface="Times New Roman" panose="02020603050405020304" pitchFamily="18" charset="0"/>
+                <a:cs typeface="Times New Roman" panose="02020603050405020304" pitchFamily="18" charset="0"/>
+              </a:endParaRPr>
+            </a:p>
+          </p:txBody>
+        </p:sp>
+        <p:sp>
+          <p:nvSpPr>
+            <p:cNvPr id="8" name="文本框 7">
+              <a:extLst>
+                <a:ext uri="{FF2B5EF4-FFF2-40B4-BE49-F238E27FC236}">
+                  <a16:creationId xmlns:a16="http://schemas.microsoft.com/office/drawing/2014/main" id="{44FBFCC1-9707-4BBC-53A9-AECA16C48097}"/>
+                </a:ext>
+              </a:extLst>
+            </p:cNvPr>
+            <p:cNvSpPr txBox="1"/>
+            <p:nvPr/>
+          </p:nvSpPr>
+          <p:spPr>
+            <a:xfrm>
+              <a:off x="4238668" y="2053504"/>
+              <a:ext cx="757294" cy="1015663"/>
+            </a:xfrm>
+            <a:prstGeom prst="rect">
+              <a:avLst/>
+            </a:prstGeom>
+            <a:noFill/>
+          </p:spPr>
+          <p:txBody>
+            <a:bodyPr wrap="square" rtlCol="0">
+              <a:spAutoFit/>
+            </a:bodyPr>
+            <a:lstStyle/>
+            <a:p>
+              <a:r>
+                <a:rPr lang="zh-CN" altLang="en-US" sz="2000" b="1" dirty="0">
+                  <a:latin typeface="宋体" panose="02010600030101010101" pitchFamily="2" charset="-122"/>
+                  <a:ea typeface="宋体" panose="02010600030101010101" pitchFamily="2" charset="-122"/>
+                </a:rPr>
+                <a:t>残差网络模块</a:t>
+              </a:r>
+            </a:p>
+          </p:txBody>
+        </p:sp>
+      </p:grpSp>
+      <p:grpSp>
+        <p:nvGrpSpPr>
+          <p:cNvPr id="10" name="组合 9">
+            <a:extLst>
+              <a:ext uri="{FF2B5EF4-FFF2-40B4-BE49-F238E27FC236}">
+                <a16:creationId xmlns:a16="http://schemas.microsoft.com/office/drawing/2014/main" id="{2092F676-C560-B7B8-C14A-A3686A23B535}"/>
+              </a:ext>
+            </a:extLst>
+          </p:cNvPr>
+          <p:cNvGrpSpPr/>
+          <p:nvPr/>
+        </p:nvGrpSpPr>
+        <p:grpSpPr>
+          <a:xfrm>
+            <a:off x="5345846" y="2053504"/>
+            <a:ext cx="891591" cy="1487307"/>
+            <a:chOff x="4154926" y="2053504"/>
+            <a:chExt cx="891591" cy="1487307"/>
+          </a:xfrm>
+        </p:grpSpPr>
+        <p:sp>
+          <p:nvSpPr>
+            <p:cNvPr id="11" name="文本框 10">
+              <a:extLst>
+                <a:ext uri="{FF2B5EF4-FFF2-40B4-BE49-F238E27FC236}">
+                  <a16:creationId xmlns:a16="http://schemas.microsoft.com/office/drawing/2014/main" id="{C27700FE-8758-C719-6BB5-93578473F70A}"/>
+                </a:ext>
+              </a:extLst>
+            </p:cNvPr>
+            <p:cNvSpPr txBox="1"/>
+            <p:nvPr/>
+          </p:nvSpPr>
+          <p:spPr>
+            <a:xfrm>
+              <a:off x="4154926" y="2976909"/>
+              <a:ext cx="891591" cy="369332"/>
+            </a:xfrm>
+            <a:prstGeom prst="rect">
+              <a:avLst/>
+            </a:prstGeom>
+            <a:noFill/>
+          </p:spPr>
+          <p:txBody>
+            <a:bodyPr wrap="none" rtlCol="0">
+              <a:spAutoFit/>
+            </a:bodyPr>
+            <a:lstStyle/>
+            <a:p>
+              <a:r>
+                <a:rPr lang="en-US" altLang="zh-CN" b="1" dirty="0" err="1">
+                  <a:latin typeface="Times New Roman" panose="02020603050405020304" pitchFamily="18" charset="0"/>
+                  <a:cs typeface="Times New Roman" panose="02020603050405020304" pitchFamily="18" charset="0"/>
+                </a:rPr>
+                <a:t>ResNet</a:t>
+              </a:r>
+              <a:endParaRPr lang="zh-CN" altLang="en-US" b="1" dirty="0">
+                <a:latin typeface="Times New Roman" panose="02020603050405020304" pitchFamily="18" charset="0"/>
+                <a:cs typeface="Times New Roman" panose="02020603050405020304" pitchFamily="18" charset="0"/>
+              </a:endParaRPr>
+            </a:p>
+          </p:txBody>
+        </p:sp>
+        <p:sp>
+          <p:nvSpPr>
+            <p:cNvPr id="12" name="文本框 11">
+              <a:extLst>
+                <a:ext uri="{FF2B5EF4-FFF2-40B4-BE49-F238E27FC236}">
+                  <a16:creationId xmlns:a16="http://schemas.microsoft.com/office/drawing/2014/main" id="{C7C84BA8-D0C6-2CAA-BEAF-FE4EA915DDE0}"/>
+                </a:ext>
+              </a:extLst>
+            </p:cNvPr>
+            <p:cNvSpPr txBox="1"/>
+            <p:nvPr/>
+          </p:nvSpPr>
+          <p:spPr>
+            <a:xfrm>
+              <a:off x="4238668" y="3171479"/>
+              <a:ext cx="748923" cy="369332"/>
+            </a:xfrm>
+            <a:prstGeom prst="rect">
+              <a:avLst/>
+            </a:prstGeom>
+            <a:noFill/>
+          </p:spPr>
+          <p:txBody>
+            <a:bodyPr wrap="none" rtlCol="0">
+              <a:spAutoFit/>
+            </a:bodyPr>
+            <a:lstStyle/>
+            <a:p>
+              <a:r>
+                <a:rPr lang="en-US" altLang="zh-CN" b="1" dirty="0">
+                  <a:latin typeface="Times New Roman" panose="02020603050405020304" pitchFamily="18" charset="0"/>
+                  <a:cs typeface="Times New Roman" panose="02020603050405020304" pitchFamily="18" charset="0"/>
+                </a:rPr>
+                <a:t>Block</a:t>
+              </a:r>
+              <a:endParaRPr lang="zh-CN" altLang="en-US" b="1" dirty="0">
+                <a:latin typeface="Times New Roman" panose="02020603050405020304" pitchFamily="18" charset="0"/>
+                <a:cs typeface="Times New Roman" panose="02020603050405020304" pitchFamily="18" charset="0"/>
+              </a:endParaRPr>
+            </a:p>
+          </p:txBody>
+        </p:sp>
+        <p:sp>
+          <p:nvSpPr>
+            <p:cNvPr id="13" name="文本框 12">
+              <a:extLst>
+                <a:ext uri="{FF2B5EF4-FFF2-40B4-BE49-F238E27FC236}">
+                  <a16:creationId xmlns:a16="http://schemas.microsoft.com/office/drawing/2014/main" id="{12876A97-E40C-0473-A70B-BD164A933E09}"/>
+                </a:ext>
+              </a:extLst>
+            </p:cNvPr>
+            <p:cNvSpPr txBox="1"/>
+            <p:nvPr/>
+          </p:nvSpPr>
+          <p:spPr>
+            <a:xfrm>
+              <a:off x="4238668" y="2053504"/>
+              <a:ext cx="757294" cy="1015663"/>
+            </a:xfrm>
+            <a:prstGeom prst="rect">
+              <a:avLst/>
+            </a:prstGeom>
+            <a:noFill/>
+          </p:spPr>
+          <p:txBody>
+            <a:bodyPr wrap="square" rtlCol="0">
+              <a:spAutoFit/>
+            </a:bodyPr>
+            <a:lstStyle/>
+            <a:p>
+              <a:r>
+                <a:rPr lang="zh-CN" altLang="en-US" sz="2000" b="1" dirty="0">
+                  <a:latin typeface="宋体" panose="02010600030101010101" pitchFamily="2" charset="-122"/>
+                  <a:ea typeface="宋体" panose="02010600030101010101" pitchFamily="2" charset="-122"/>
+                </a:rPr>
+                <a:t>残差网络模块</a:t>
+              </a:r>
+            </a:p>
+          </p:txBody>
+        </p:sp>
+      </p:grpSp>
+      <p:grpSp>
+        <p:nvGrpSpPr>
+          <p:cNvPr id="15" name="组合 14">
+            <a:extLst>
+              <a:ext uri="{FF2B5EF4-FFF2-40B4-BE49-F238E27FC236}">
+                <a16:creationId xmlns:a16="http://schemas.microsoft.com/office/drawing/2014/main" id="{B0D17ED3-7465-3890-CC01-CE31C2D5B4B4}"/>
+              </a:ext>
+            </a:extLst>
+          </p:cNvPr>
+          <p:cNvGrpSpPr/>
+          <p:nvPr/>
+        </p:nvGrpSpPr>
+        <p:grpSpPr>
+          <a:xfrm>
+            <a:off x="7375125" y="2033747"/>
+            <a:ext cx="891591" cy="1487307"/>
+            <a:chOff x="4154926" y="2053504"/>
+            <a:chExt cx="891591" cy="1487307"/>
+          </a:xfrm>
+        </p:grpSpPr>
+        <p:sp>
+          <p:nvSpPr>
+            <p:cNvPr id="16" name="文本框 15">
+              <a:extLst>
+                <a:ext uri="{FF2B5EF4-FFF2-40B4-BE49-F238E27FC236}">
+                  <a16:creationId xmlns:a16="http://schemas.microsoft.com/office/drawing/2014/main" id="{01130E60-9CD3-702B-30FE-39CD9D6FF81C}"/>
+                </a:ext>
+              </a:extLst>
+            </p:cNvPr>
+            <p:cNvSpPr txBox="1"/>
+            <p:nvPr/>
+          </p:nvSpPr>
+          <p:spPr>
+            <a:xfrm>
+              <a:off x="4154926" y="2976909"/>
+              <a:ext cx="891591" cy="369332"/>
+            </a:xfrm>
+            <a:prstGeom prst="rect">
+              <a:avLst/>
+            </a:prstGeom>
+            <a:noFill/>
+          </p:spPr>
+          <p:txBody>
+            <a:bodyPr wrap="none" rtlCol="0">
+              <a:spAutoFit/>
+            </a:bodyPr>
+            <a:lstStyle/>
+            <a:p>
+              <a:r>
+                <a:rPr lang="en-US" altLang="zh-CN" b="1" dirty="0" err="1">
+                  <a:latin typeface="Times New Roman" panose="02020603050405020304" pitchFamily="18" charset="0"/>
+                  <a:cs typeface="Times New Roman" panose="02020603050405020304" pitchFamily="18" charset="0"/>
+                </a:rPr>
+                <a:t>ResNet</a:t>
+              </a:r>
+              <a:endParaRPr lang="zh-CN" altLang="en-US" b="1" dirty="0">
+                <a:latin typeface="Times New Roman" panose="02020603050405020304" pitchFamily="18" charset="0"/>
+                <a:cs typeface="Times New Roman" panose="02020603050405020304" pitchFamily="18" charset="0"/>
+              </a:endParaRPr>
+            </a:p>
+          </p:txBody>
+        </p:sp>
+        <p:sp>
+          <p:nvSpPr>
+            <p:cNvPr id="17" name="文本框 16">
+              <a:extLst>
+                <a:ext uri="{FF2B5EF4-FFF2-40B4-BE49-F238E27FC236}">
+                  <a16:creationId xmlns:a16="http://schemas.microsoft.com/office/drawing/2014/main" id="{34167296-A143-0CEF-B414-9C8B079E8D11}"/>
+                </a:ext>
+              </a:extLst>
+            </p:cNvPr>
+            <p:cNvSpPr txBox="1"/>
+            <p:nvPr/>
+          </p:nvSpPr>
+          <p:spPr>
+            <a:xfrm>
+              <a:off x="4238668" y="3171479"/>
+              <a:ext cx="748923" cy="369332"/>
+            </a:xfrm>
+            <a:prstGeom prst="rect">
+              <a:avLst/>
+            </a:prstGeom>
+            <a:noFill/>
+          </p:spPr>
+          <p:txBody>
+            <a:bodyPr wrap="none" rtlCol="0">
+              <a:spAutoFit/>
+            </a:bodyPr>
+            <a:lstStyle/>
+            <a:p>
+              <a:r>
+                <a:rPr lang="en-US" altLang="zh-CN" b="1" dirty="0">
+                  <a:latin typeface="Times New Roman" panose="02020603050405020304" pitchFamily="18" charset="0"/>
+                  <a:cs typeface="Times New Roman" panose="02020603050405020304" pitchFamily="18" charset="0"/>
+                </a:rPr>
+                <a:t>Block</a:t>
+              </a:r>
+              <a:endParaRPr lang="zh-CN" altLang="en-US" b="1" dirty="0">
+                <a:latin typeface="Times New Roman" panose="02020603050405020304" pitchFamily="18" charset="0"/>
+                <a:cs typeface="Times New Roman" panose="02020603050405020304" pitchFamily="18" charset="0"/>
+              </a:endParaRPr>
+            </a:p>
+          </p:txBody>
+        </p:sp>
+        <p:sp>
+          <p:nvSpPr>
+            <p:cNvPr id="18" name="文本框 17">
+              <a:extLst>
+                <a:ext uri="{FF2B5EF4-FFF2-40B4-BE49-F238E27FC236}">
+                  <a16:creationId xmlns:a16="http://schemas.microsoft.com/office/drawing/2014/main" id="{3317E74C-819A-74BA-5E88-1FD34C247015}"/>
+                </a:ext>
+              </a:extLst>
+            </p:cNvPr>
+            <p:cNvSpPr txBox="1"/>
+            <p:nvPr/>
+          </p:nvSpPr>
+          <p:spPr>
+            <a:xfrm>
+              <a:off x="4238668" y="2053504"/>
+              <a:ext cx="757294" cy="1015663"/>
+            </a:xfrm>
+            <a:prstGeom prst="rect">
+              <a:avLst/>
+            </a:prstGeom>
+            <a:noFill/>
+          </p:spPr>
+          <p:txBody>
+            <a:bodyPr wrap="square" rtlCol="0">
+              <a:spAutoFit/>
+            </a:bodyPr>
+            <a:lstStyle/>
+            <a:p>
+              <a:r>
+                <a:rPr lang="zh-CN" altLang="en-US" sz="2000" b="1" dirty="0">
+                  <a:latin typeface="宋体" panose="02010600030101010101" pitchFamily="2" charset="-122"/>
+                  <a:ea typeface="宋体" panose="02010600030101010101" pitchFamily="2" charset="-122"/>
+                </a:rPr>
+                <a:t>残差网络模块</a:t>
+              </a:r>
+            </a:p>
+          </p:txBody>
+        </p:sp>
+      </p:grpSp>
+      <p:sp>
+        <p:nvSpPr>
+          <p:cNvPr id="27" name="矩形 26">
+            <a:extLst>
+              <a:ext uri="{FF2B5EF4-FFF2-40B4-BE49-F238E27FC236}">
+                <a16:creationId xmlns:a16="http://schemas.microsoft.com/office/drawing/2014/main" id="{D59A6B2A-74CF-87DF-8763-9482A375F44A}"/>
+              </a:ext>
+            </a:extLst>
+          </p:cNvPr>
+          <p:cNvSpPr/>
+          <p:nvPr/>
+        </p:nvSpPr>
+        <p:spPr>
+          <a:xfrm>
+            <a:off x="4009068" y="1409700"/>
+            <a:ext cx="4376757" cy="2481261"/>
+          </a:xfrm>
+          <a:prstGeom prst="rect">
+            <a:avLst/>
+          </a:prstGeom>
+          <a:noFill/>
+          <a:ln w="28575">
+            <a:solidFill>
+              <a:srgbClr val="C55A11">
+                <a:alpha val="63000"/>
+              </a:srgbClr>
+            </a:solidFill>
+            <a:prstDash val="lgDash"/>
+          </a:ln>
+        </p:spPr>
+        <p:style>
+          <a:lnRef idx="2">
+            <a:schemeClr val="accent1">
+              <a:shade val="50000"/>
+            </a:schemeClr>
+          </a:lnRef>
+          <a:fillRef idx="1">
+            <a:schemeClr val="accent1"/>
+          </a:fillRef>
+          <a:effectRef idx="0">
+            <a:schemeClr val="accent1"/>
+          </a:effectRef>
+          <a:fontRef idx="minor">
+            <a:schemeClr val="lt1"/>
+          </a:fontRef>
+        </p:style>
+        <p:txBody>
+          <a:bodyPr rtlCol="0" anchor="ctr"/>
+          <a:lstStyle/>
+          <a:p>
+            <a:pPr algn="ctr"/>
+            <a:endParaRPr lang="zh-CN" altLang="en-US" dirty="0"/>
+          </a:p>
+        </p:txBody>
+      </p:sp>
+      <p:grpSp>
+        <p:nvGrpSpPr>
+          <p:cNvPr id="34" name="组合 33">
+            <a:extLst>
+              <a:ext uri="{FF2B5EF4-FFF2-40B4-BE49-F238E27FC236}">
+                <a16:creationId xmlns:a16="http://schemas.microsoft.com/office/drawing/2014/main" id="{4E7C154B-94C0-C1AE-23A2-08DDDBEA3083}"/>
+              </a:ext>
+            </a:extLst>
+          </p:cNvPr>
+          <p:cNvGrpSpPr/>
+          <p:nvPr/>
+        </p:nvGrpSpPr>
+        <p:grpSpPr>
+          <a:xfrm>
+            <a:off x="4920731" y="1382201"/>
+            <a:ext cx="2800686" cy="372377"/>
+            <a:chOff x="5307797" y="1369263"/>
+            <a:chExt cx="2800686" cy="372377"/>
+          </a:xfrm>
+        </p:grpSpPr>
+        <mc:AlternateContent xmlns:mc="http://schemas.openxmlformats.org/markup-compatibility/2006">
+          <mc:Choice xmlns:a14="http://schemas.microsoft.com/office/drawing/2010/main" Requires="a14">
+            <p:sp>
+              <p:nvSpPr>
+                <p:cNvPr id="30" name="文本框 29">
+                  <a:extLst>
+                    <a:ext uri="{FF2B5EF4-FFF2-40B4-BE49-F238E27FC236}">
+                      <a16:creationId xmlns:a16="http://schemas.microsoft.com/office/drawing/2014/main" id="{F72F89E7-9B96-A3DC-A199-807666F38B21}"/>
+                    </a:ext>
+                  </a:extLst>
+                </p:cNvPr>
+                <p:cNvSpPr txBox="1"/>
+                <p:nvPr/>
+              </p:nvSpPr>
+              <p:spPr>
+                <a:xfrm>
+                  <a:off x="5826656" y="1440647"/>
+                  <a:ext cx="1476863" cy="276999"/>
+                </a:xfrm>
+                <a:prstGeom prst="rect">
+                  <a:avLst/>
+                </a:prstGeom>
+                <a:noFill/>
+              </p:spPr>
+              <p:txBody>
+                <a:bodyPr wrap="square" lIns="0" tIns="0" rIns="0" bIns="0" rtlCol="0">
+                  <a:spAutoFit/>
+                </a:bodyPr>
+                <a:lstStyle/>
+                <a:p>
+                  <a:pPr/>
+                  <a14:m>
+                    <m:oMathPara xmlns:m="http://schemas.openxmlformats.org/officeDocument/2006/math">
+                      <m:oMathParaPr>
+                        <m:jc m:val="centerGroup"/>
+                      </m:oMathParaPr>
+                      <m:oMath xmlns:m="http://schemas.openxmlformats.org/officeDocument/2006/math">
+                        <m:r>
+                          <a:rPr lang="en-US" altLang="zh-CN" b="0" i="1" dirty="0" smtClean="0">
+                            <a:solidFill>
+                              <a:schemeClr val="tx1">
+                                <a:alpha val="82000"/>
+                              </a:schemeClr>
+                            </a:solidFill>
+                            <a:latin typeface="Cambria Math" panose="02040503050406030204" pitchFamily="18" charset="0"/>
+                          </a:rPr>
+                          <m:t>h𝑖𝑑𝑑𝑒𝑛</m:t>
+                        </m:r>
+                        <m:r>
+                          <a:rPr lang="en-US" altLang="zh-CN" b="0" i="1" dirty="0" smtClean="0">
+                            <a:solidFill>
+                              <a:schemeClr val="tx1">
+                                <a:alpha val="82000"/>
+                              </a:schemeClr>
+                            </a:solidFill>
+                            <a:latin typeface="Cambria Math" panose="02040503050406030204" pitchFamily="18" charset="0"/>
+                          </a:rPr>
+                          <m:t>_</m:t>
+                        </m:r>
+                        <m:r>
+                          <a:rPr lang="en-US" altLang="zh-CN" b="0" i="1" dirty="0" smtClean="0">
+                            <a:solidFill>
+                              <a:schemeClr val="tx1">
+                                <a:alpha val="82000"/>
+                              </a:schemeClr>
+                            </a:solidFill>
+                            <a:latin typeface="Cambria Math" panose="02040503050406030204" pitchFamily="18" charset="0"/>
+                          </a:rPr>
+                          <m:t>𝑛𝑢𝑚𝑠</m:t>
+                        </m:r>
+                      </m:oMath>
+                    </m:oMathPara>
+                  </a14:m>
+                  <a:endParaRPr lang="zh-CN" altLang="en-US" i="1" dirty="0">
+                    <a:solidFill>
+                      <a:schemeClr val="tx1">
+                        <a:alpha val="82000"/>
+                      </a:schemeClr>
+                    </a:solidFill>
+                    <a:latin typeface="Times" panose="02020603050405020304" pitchFamily="18" charset="0"/>
+                    <a:cs typeface="Times" panose="02020603050405020304" pitchFamily="18" charset="0"/>
+                  </a:endParaRPr>
+                </a:p>
+              </p:txBody>
+            </p:sp>
+          </mc:Choice>
+          <mc:Fallback>
+            <p:sp>
+              <p:nvSpPr>
+                <p:cNvPr id="30" name="文本框 29">
+                  <a:extLst>
+                    <a:ext uri="{FF2B5EF4-FFF2-40B4-BE49-F238E27FC236}">
+                      <a16:creationId xmlns:a16="http://schemas.microsoft.com/office/drawing/2014/main" id="{F72F89E7-9B96-A3DC-A199-807666F38B21}"/>
+                    </a:ext>
+                  </a:extLst>
+                </p:cNvPr>
+                <p:cNvSpPr txBox="1">
+                  <a:spLocks noRot="1" noChangeAspect="1" noMove="1" noResize="1" noEditPoints="1" noAdjustHandles="1" noChangeArrowheads="1" noChangeShapeType="1" noTextEdit="1"/>
+                </p:cNvSpPr>
+                <p:nvPr/>
+              </p:nvSpPr>
+              <p:spPr>
+                <a:xfrm>
+                  <a:off x="5826656" y="1440647"/>
+                  <a:ext cx="1476863" cy="276999"/>
+                </a:xfrm>
+                <a:prstGeom prst="rect">
+                  <a:avLst/>
+                </a:prstGeom>
+                <a:blipFill>
+                  <a:blip r:embed="rId2"/>
+                  <a:stretch>
+                    <a:fillRect l="-2058" b="-8696"/>
+                  </a:stretch>
+                </a:blipFill>
+              </p:spPr>
+              <p:txBody>
+                <a:bodyPr/>
+                <a:lstStyle/>
+                <a:p>
+                  <a:r>
+                    <a:rPr lang="zh-CN" altLang="en-US">
+                      <a:noFill/>
+                    </a:rPr>
+                    <a:t> </a:t>
+                  </a:r>
+                </a:p>
+              </p:txBody>
+            </p:sp>
+          </mc:Fallback>
+        </mc:AlternateContent>
+        <p:sp>
+          <p:nvSpPr>
+            <p:cNvPr id="32" name="文本框 31">
+              <a:extLst>
+                <a:ext uri="{FF2B5EF4-FFF2-40B4-BE49-F238E27FC236}">
+                  <a16:creationId xmlns:a16="http://schemas.microsoft.com/office/drawing/2014/main" id="{AFC2D6D7-01FA-189E-AA50-F2370849D7E5}"/>
+                </a:ext>
+              </a:extLst>
+            </p:cNvPr>
+            <p:cNvSpPr txBox="1"/>
+            <p:nvPr/>
+          </p:nvSpPr>
+          <p:spPr>
+            <a:xfrm>
+              <a:off x="5307797" y="1372308"/>
+              <a:ext cx="719514" cy="369332"/>
+            </a:xfrm>
+            <a:prstGeom prst="rect">
+              <a:avLst/>
+            </a:prstGeom>
+            <a:noFill/>
+          </p:spPr>
+          <p:txBody>
+            <a:bodyPr wrap="square" rtlCol="0">
+              <a:spAutoFit/>
+            </a:bodyPr>
+            <a:lstStyle/>
+            <a:p>
+              <a:r>
+                <a:rPr lang="zh-CN" altLang="en-US" b="1" dirty="0">
+                  <a:solidFill>
+                    <a:schemeClr val="tx1">
+                      <a:alpha val="82000"/>
+                    </a:schemeClr>
+                  </a:solidFill>
+                  <a:latin typeface="仿宋" panose="02010609060101010101" pitchFamily="49" charset="-122"/>
+                  <a:ea typeface="仿宋" panose="02010609060101010101" pitchFamily="49" charset="-122"/>
+                </a:rPr>
+                <a:t>共有</a:t>
+              </a:r>
+            </a:p>
+          </p:txBody>
+        </p:sp>
+        <p:sp>
+          <p:nvSpPr>
+            <p:cNvPr id="33" name="文本框 32">
+              <a:extLst>
+                <a:ext uri="{FF2B5EF4-FFF2-40B4-BE49-F238E27FC236}">
+                  <a16:creationId xmlns:a16="http://schemas.microsoft.com/office/drawing/2014/main" id="{BEF8FB34-79D2-945C-CA10-3C3888B4A45D}"/>
+                </a:ext>
+              </a:extLst>
+            </p:cNvPr>
+            <p:cNvSpPr txBox="1"/>
+            <p:nvPr/>
+          </p:nvSpPr>
+          <p:spPr>
+            <a:xfrm>
+              <a:off x="7147257" y="1369263"/>
+              <a:ext cx="961226" cy="369332"/>
+            </a:xfrm>
+            <a:prstGeom prst="rect">
+              <a:avLst/>
+            </a:prstGeom>
+            <a:noFill/>
+          </p:spPr>
+          <p:txBody>
+            <a:bodyPr wrap="square" rtlCol="0">
+              <a:spAutoFit/>
+            </a:bodyPr>
+            <a:lstStyle/>
+            <a:p>
+              <a:r>
+                <a:rPr lang="zh-CN" altLang="en-US" b="1" dirty="0">
+                  <a:solidFill>
+                    <a:schemeClr val="tx1">
+                      <a:alpha val="82000"/>
+                    </a:schemeClr>
+                  </a:solidFill>
+                  <a:latin typeface="仿宋" panose="02010609060101010101" pitchFamily="49" charset="-122"/>
+                  <a:ea typeface="仿宋" panose="02010609060101010101" pitchFamily="49" charset="-122"/>
+                </a:rPr>
+                <a:t>个模块</a:t>
+              </a:r>
+            </a:p>
+          </p:txBody>
+        </p:sp>
+      </p:grpSp>
     </p:spTree>
     <p:extLst>
       <p:ext uri="{BB962C8B-B14F-4D97-AF65-F5344CB8AC3E}">
